--- a/TOT2025_presentation.pptx
+++ b/TOT2025_presentation.pptx
@@ -6,18 +6,20 @@
   </p:sldMasterIdLst>
   <p:sldIdLst>
     <p:sldId id="256" r:id="rId2"/>
-    <p:sldId id="257" r:id="rId3"/>
-    <p:sldId id="258" r:id="rId4"/>
-    <p:sldId id="259" r:id="rId5"/>
-    <p:sldId id="260" r:id="rId6"/>
-    <p:sldId id="261" r:id="rId7"/>
-    <p:sldId id="262" r:id="rId8"/>
+    <p:sldId id="273" r:id="rId3"/>
+    <p:sldId id="257" r:id="rId4"/>
+    <p:sldId id="258" r:id="rId5"/>
+    <p:sldId id="259" r:id="rId6"/>
+    <p:sldId id="260" r:id="rId7"/>
+    <p:sldId id="261" r:id="rId8"/>
     <p:sldId id="263" r:id="rId9"/>
     <p:sldId id="264" r:id="rId10"/>
     <p:sldId id="265" r:id="rId11"/>
     <p:sldId id="266" r:id="rId12"/>
-    <p:sldId id="267" r:id="rId13"/>
-    <p:sldId id="269" r:id="rId14"/>
+    <p:sldId id="270" r:id="rId13"/>
+    <p:sldId id="271" r:id="rId14"/>
+    <p:sldId id="272" r:id="rId15"/>
+    <p:sldId id="269" r:id="rId16"/>
   </p:sldIdLst>
   <p:sldSz cx="9144000" cy="6858000" type="screen4x3"/>
   <p:notesSz cx="6858000" cy="9144000"/>
@@ -3114,7 +3116,7 @@
         </p:nvSpPr>
         <p:spPr>
           <a:xfrm>
-            <a:off x="841248" y="1219200"/>
+            <a:off x="841248" y="686657"/>
             <a:ext cx="7772400" cy="1470025"/>
           </a:xfrm>
         </p:spPr>
@@ -3123,23 +3125,43 @@
           <a:lstStyle/>
           <a:p>
             <a:r>
-              <a:rPr dirty="0"/>
+              <a:rPr dirty="0">
+                <a:latin typeface="Times New Roman" panose="02020603050405020304" pitchFamily="18" charset="0"/>
+                <a:ea typeface="+mn-ea"/>
+                <a:cs typeface="Times New Roman" panose="02020603050405020304" pitchFamily="18" charset="0"/>
+              </a:rPr>
               <a:t>GFC </a:t>
             </a:r>
             <a:r>
-              <a:rPr dirty="0" err="1"/>
+              <a:rPr dirty="0" err="1">
+                <a:latin typeface="Times New Roman" panose="02020603050405020304" pitchFamily="18" charset="0"/>
+                <a:ea typeface="+mn-ea"/>
+                <a:cs typeface="Times New Roman" panose="02020603050405020304" pitchFamily="18" charset="0"/>
+              </a:rPr>
               <a:t>编辑器</a:t>
             </a:r>
             <a:r>
-              <a:rPr dirty="0"/>
+              <a:rPr dirty="0">
+                <a:latin typeface="Times New Roman" panose="02020603050405020304" pitchFamily="18" charset="0"/>
+                <a:ea typeface="+mn-ea"/>
+                <a:cs typeface="Times New Roman" panose="02020603050405020304" pitchFamily="18" charset="0"/>
+              </a:rPr>
               <a:t>（</a:t>
             </a:r>
             <a:r>
-              <a:rPr lang="zh-CN" altLang="en-US" dirty="0"/>
+              <a:rPr lang="zh-CN" altLang="en-US" dirty="0">
+                <a:latin typeface="Times New Roman" panose="02020603050405020304" pitchFamily="18" charset="0"/>
+                <a:ea typeface="+mn-ea"/>
+                <a:cs typeface="Times New Roman" panose="02020603050405020304" pitchFamily="18" charset="0"/>
+              </a:rPr>
               <a:t>第二组</a:t>
             </a:r>
             <a:r>
-              <a:rPr dirty="0"/>
+              <a:rPr dirty="0">
+                <a:latin typeface="Times New Roman" panose="02020603050405020304" pitchFamily="18" charset="0"/>
+                <a:ea typeface="+mn-ea"/>
+                <a:cs typeface="Times New Roman" panose="02020603050405020304" pitchFamily="18" charset="0"/>
+              </a:rPr>
               <a:t>）</a:t>
             </a:r>
           </a:p>
@@ -3155,29 +3177,54 @@
             <p:ph type="subTitle" idx="1"/>
           </p:nvPr>
         </p:nvSpPr>
-        <p:spPr/>
+        <p:spPr>
+          <a:xfrm>
+            <a:off x="1453896" y="2704020"/>
+            <a:ext cx="6400800" cy="1752600"/>
+          </a:xfrm>
+        </p:spPr>
         <p:txBody>
           <a:bodyPr/>
           <a:lstStyle/>
           <a:p>
             <a:r>
-              <a:rPr dirty="0"/>
+              <a:rPr dirty="0">
+                <a:latin typeface="Times New Roman" panose="02020603050405020304" pitchFamily="18" charset="0"/>
+                <a:ea typeface="+mj-ea"/>
+                <a:cs typeface="Times New Roman" panose="02020603050405020304" pitchFamily="18" charset="0"/>
+              </a:rPr>
               <a:t>EXP Schema </a:t>
             </a:r>
             <a:r>
-              <a:rPr dirty="0" err="1"/>
+              <a:rPr dirty="0" err="1">
+                <a:latin typeface="Times New Roman" panose="02020603050405020304" pitchFamily="18" charset="0"/>
+                <a:ea typeface="+mj-ea"/>
+                <a:cs typeface="Times New Roman" panose="02020603050405020304" pitchFamily="18" charset="0"/>
+              </a:rPr>
               <a:t>解析</a:t>
             </a:r>
             <a:r>
-              <a:rPr dirty="0"/>
+              <a:rPr dirty="0">
+                <a:latin typeface="Times New Roman" panose="02020603050405020304" pitchFamily="18" charset="0"/>
+                <a:ea typeface="+mj-ea"/>
+                <a:cs typeface="Times New Roman" panose="02020603050405020304" pitchFamily="18" charset="0"/>
+              </a:rPr>
               <a:t> · GFC </a:t>
             </a:r>
             <a:r>
-              <a:rPr dirty="0" err="1"/>
+              <a:rPr dirty="0" err="1">
+                <a:latin typeface="Times New Roman" panose="02020603050405020304" pitchFamily="18" charset="0"/>
+                <a:ea typeface="+mj-ea"/>
+                <a:cs typeface="Times New Roman" panose="02020603050405020304" pitchFamily="18" charset="0"/>
+              </a:rPr>
               <a:t>文本联动</a:t>
             </a:r>
             <a:r>
-              <a:rPr dirty="0"/>
+              <a:rPr dirty="0">
+                <a:latin typeface="Times New Roman" panose="02020603050405020304" pitchFamily="18" charset="0"/>
+                <a:ea typeface="+mj-ea"/>
+                <a:cs typeface="Times New Roman" panose="02020603050405020304" pitchFamily="18" charset="0"/>
+              </a:rPr>
               <a:t> · Qt Widgets</a:t>
             </a:r>
           </a:p>
@@ -3197,8 +3244,8 @@
         </p:nvSpPr>
         <p:spPr>
           <a:xfrm>
-            <a:off x="4416552" y="5166360"/>
-            <a:ext cx="4288536" cy="1477328"/>
+            <a:off x="5111496" y="4052937"/>
+            <a:ext cx="3959352" cy="2805063"/>
           </a:xfrm>
           <a:prstGeom prst="rect">
             <a:avLst/>
@@ -3211,51 +3258,115 @@
           </a:bodyPr>
           <a:lstStyle/>
           <a:p>
-            <a:r>
-              <a:rPr lang="zh-CN" altLang="en-US" dirty="0"/>
+            <a:pPr>
+              <a:lnSpc>
+                <a:spcPct val="150000"/>
+              </a:lnSpc>
+            </a:pPr>
+            <a:r>
+              <a:rPr lang="zh-CN" altLang="en-US" sz="2400" dirty="0">
+                <a:latin typeface="Times New Roman" panose="02020603050405020304" pitchFamily="18" charset="0"/>
+                <a:cs typeface="Times New Roman" panose="02020603050405020304" pitchFamily="18" charset="0"/>
+              </a:rPr>
               <a:t>小组成员：谢明靓（组长）</a:t>
             </a:r>
-            <a:endParaRPr lang="en-US" altLang="zh-CN" dirty="0"/>
-          </a:p>
-          <a:p>
-            <a:r>
-              <a:rPr lang="en-US" altLang="zh-CN" dirty="0"/>
+            <a:endParaRPr lang="en-US" altLang="zh-CN" sz="2400" dirty="0">
+              <a:latin typeface="Times New Roman" panose="02020603050405020304" pitchFamily="18" charset="0"/>
+              <a:cs typeface="Times New Roman" panose="02020603050405020304" pitchFamily="18" charset="0"/>
+            </a:endParaRPr>
+          </a:p>
+          <a:p>
+            <a:pPr>
+              <a:lnSpc>
+                <a:spcPct val="150000"/>
+              </a:lnSpc>
+            </a:pPr>
+            <a:r>
+              <a:rPr lang="en-US" altLang="zh-CN" sz="2400" dirty="0">
+                <a:latin typeface="Times New Roman" panose="02020603050405020304" pitchFamily="18" charset="0"/>
+                <a:cs typeface="Times New Roman" panose="02020603050405020304" pitchFamily="18" charset="0"/>
+              </a:rPr>
               <a:t>                      </a:t>
             </a:r>
             <a:r>
-              <a:rPr lang="zh-CN" altLang="en-US" dirty="0"/>
+              <a:rPr lang="zh-CN" altLang="en-US" sz="2400" dirty="0">
+                <a:latin typeface="Times New Roman" panose="02020603050405020304" pitchFamily="18" charset="0"/>
+                <a:cs typeface="Times New Roman" panose="02020603050405020304" pitchFamily="18" charset="0"/>
+              </a:rPr>
               <a:t>段少彪</a:t>
             </a:r>
-            <a:endParaRPr lang="en-US" altLang="zh-CN" dirty="0"/>
-          </a:p>
-          <a:p>
-            <a:r>
-              <a:rPr lang="en-US" altLang="zh-CN" dirty="0"/>
-              <a:t>	             </a:t>
-            </a:r>
-            <a:r>
-              <a:rPr lang="zh-CN" altLang="en-US" dirty="0"/>
+            <a:endParaRPr lang="en-US" altLang="zh-CN" sz="2400" dirty="0">
+              <a:latin typeface="Times New Roman" panose="02020603050405020304" pitchFamily="18" charset="0"/>
+              <a:cs typeface="Times New Roman" panose="02020603050405020304" pitchFamily="18" charset="0"/>
+            </a:endParaRPr>
+          </a:p>
+          <a:p>
+            <a:pPr>
+              <a:lnSpc>
+                <a:spcPct val="150000"/>
+              </a:lnSpc>
+            </a:pPr>
+            <a:r>
+              <a:rPr lang="en-US" altLang="zh-CN" sz="2400" dirty="0">
+                <a:latin typeface="Times New Roman" panose="02020603050405020304" pitchFamily="18" charset="0"/>
+                <a:cs typeface="Times New Roman" panose="02020603050405020304" pitchFamily="18" charset="0"/>
+              </a:rPr>
+              <a:t>	                </a:t>
+            </a:r>
+            <a:r>
+              <a:rPr lang="zh-CN" altLang="en-US" sz="2400" dirty="0">
+                <a:latin typeface="Times New Roman" panose="02020603050405020304" pitchFamily="18" charset="0"/>
+                <a:cs typeface="Times New Roman" panose="02020603050405020304" pitchFamily="18" charset="0"/>
+              </a:rPr>
               <a:t>卢文轩</a:t>
             </a:r>
-            <a:endParaRPr lang="en-US" altLang="zh-CN" dirty="0"/>
-          </a:p>
-          <a:p>
-            <a:r>
-              <a:rPr lang="en-US" altLang="zh-CN" dirty="0"/>
+            <a:endParaRPr lang="en-US" altLang="zh-CN" sz="2400" dirty="0">
+              <a:latin typeface="Times New Roman" panose="02020603050405020304" pitchFamily="18" charset="0"/>
+              <a:cs typeface="Times New Roman" panose="02020603050405020304" pitchFamily="18" charset="0"/>
+            </a:endParaRPr>
+          </a:p>
+          <a:p>
+            <a:pPr>
+              <a:lnSpc>
+                <a:spcPct val="150000"/>
+              </a:lnSpc>
+            </a:pPr>
+            <a:r>
+              <a:rPr lang="en-US" altLang="zh-CN" sz="2400" dirty="0">
+                <a:latin typeface="Times New Roman" panose="02020603050405020304" pitchFamily="18" charset="0"/>
+                <a:cs typeface="Times New Roman" panose="02020603050405020304" pitchFamily="18" charset="0"/>
+              </a:rPr>
               <a:t>                      </a:t>
             </a:r>
             <a:r>
-              <a:rPr lang="zh-CN" altLang="en-US" dirty="0"/>
+              <a:rPr lang="zh-CN" altLang="en-US" sz="2400" dirty="0">
+                <a:latin typeface="Times New Roman" panose="02020603050405020304" pitchFamily="18" charset="0"/>
+                <a:cs typeface="Times New Roman" panose="02020603050405020304" pitchFamily="18" charset="0"/>
+              </a:rPr>
               <a:t>初晓</a:t>
             </a:r>
-            <a:endParaRPr lang="en-US" altLang="zh-CN" dirty="0"/>
-          </a:p>
-          <a:p>
-            <a:r>
-              <a:rPr lang="en-US" altLang="zh-CN" dirty="0"/>
+            <a:endParaRPr lang="en-US" altLang="zh-CN" sz="2400" dirty="0">
+              <a:latin typeface="Times New Roman" panose="02020603050405020304" pitchFamily="18" charset="0"/>
+              <a:cs typeface="Times New Roman" panose="02020603050405020304" pitchFamily="18" charset="0"/>
+            </a:endParaRPr>
+          </a:p>
+          <a:p>
+            <a:pPr>
+              <a:lnSpc>
+                <a:spcPct val="150000"/>
+              </a:lnSpc>
+            </a:pPr>
+            <a:r>
+              <a:rPr lang="en-US" altLang="zh-CN" sz="2400" dirty="0">
+                <a:latin typeface="Times New Roman" panose="02020603050405020304" pitchFamily="18" charset="0"/>
+                <a:cs typeface="Times New Roman" panose="02020603050405020304" pitchFamily="18" charset="0"/>
+              </a:rPr>
               <a:t>		     </a:t>
             </a:r>
-            <a:endParaRPr lang="zh-CN" altLang="en-US" dirty="0"/>
+            <a:endParaRPr lang="zh-CN" altLang="en-US" sz="2400" dirty="0">
+              <a:latin typeface="Times New Roman" panose="02020603050405020304" pitchFamily="18" charset="0"/>
+              <a:cs typeface="Times New Roman" panose="02020603050405020304" pitchFamily="18" charset="0"/>
+            </a:endParaRPr>
           </a:p>
         </p:txBody>
       </p:sp>
@@ -3296,46 +3407,88 @@
         </p:nvSpPr>
         <p:spPr/>
         <p:txBody>
+          <a:bodyPr>
+            <a:normAutofit/>
+          </a:bodyPr>
+          <a:lstStyle/>
+          <a:p>
+            <a:r>
+              <a:rPr sz="2800" dirty="0" err="1">
+                <a:latin typeface="+mj-ea"/>
+              </a:rPr>
+              <a:t>查找</a:t>
+            </a:r>
+            <a:r>
+              <a:rPr sz="2800" dirty="0">
+                <a:latin typeface="+mj-ea"/>
+              </a:rPr>
+              <a:t>/</a:t>
+            </a:r>
+            <a:r>
+              <a:rPr sz="2800" dirty="0" err="1">
+                <a:latin typeface="+mj-ea"/>
+              </a:rPr>
+              <a:t>替换与定位</a:t>
+            </a:r>
+            <a:endParaRPr sz="2800" dirty="0">
+              <a:latin typeface="+mj-ea"/>
+            </a:endParaRPr>
+          </a:p>
+        </p:txBody>
+      </p:sp>
+      <p:sp>
+        <p:nvSpPr>
+          <p:cNvPr id="3" name="Content Placeholder 2"/>
+          <p:cNvSpPr>
+            <a:spLocks noGrp="1"/>
+          </p:cNvSpPr>
+          <p:nvPr>
+            <p:ph idx="1"/>
+          </p:nvPr>
+        </p:nvSpPr>
+        <p:spPr/>
+        <p:txBody>
           <a:bodyPr/>
           <a:lstStyle/>
           <a:p>
-            <a:r>
-              <a:t>查找/替换与定位</a:t>
-            </a:r>
-          </a:p>
-        </p:txBody>
-      </p:sp>
-      <p:sp>
-        <p:nvSpPr>
-          <p:cNvPr id="3" name="Content Placeholder 2"/>
-          <p:cNvSpPr>
-            <a:spLocks noGrp="1"/>
-          </p:cNvSpPr>
-          <p:nvPr>
-            <p:ph idx="1"/>
-          </p:nvPr>
-        </p:nvSpPr>
-        <p:spPr/>
-        <p:txBody>
-          <a:bodyPr/>
-          <a:lstStyle/>
-          <a:p>
-            <a:endParaRPr/>
-          </a:p>
-          <a:p>
-            <a:r>
-              <a:t>doFind / doFindNext / doReplace</a:t>
-            </a:r>
-          </a:p>
-          <a:p>
-            <a:r>
+            <a:endParaRPr dirty="0"/>
+          </a:p>
+          <a:p>
+            <a:r>
+              <a:rPr dirty="0" err="1"/>
+              <a:t>doFind</a:t>
+            </a:r>
+            <a:r>
+              <a:rPr dirty="0"/>
+              <a:t> / </a:t>
+            </a:r>
+            <a:r>
+              <a:rPr dirty="0" err="1"/>
+              <a:t>doFindNext</a:t>
+            </a:r>
+            <a:r>
+              <a:rPr dirty="0"/>
+              <a:t> / </a:t>
+            </a:r>
+            <a:r>
+              <a:rPr dirty="0" err="1"/>
+              <a:t>doReplace</a:t>
+            </a:r>
+            <a:endParaRPr dirty="0"/>
+          </a:p>
+          <a:p>
+            <a:r>
+              <a:rPr dirty="0" err="1"/>
               <a:t>runFindAll：填充底部查找结果表</a:t>
             </a:r>
-          </a:p>
-          <a:p>
-            <a:r>
+            <a:endParaRPr dirty="0"/>
+          </a:p>
+          <a:p>
+            <a:r>
+              <a:rPr dirty="0" err="1"/>
               <a:t>onFindResultActivated：双击定位到命中</a:t>
             </a:r>
+            <a:endParaRPr dirty="0"/>
           </a:p>
         </p:txBody>
       </p:sp>
@@ -3376,12 +3529,20 @@
         </p:nvSpPr>
         <p:spPr/>
         <p:txBody>
-          <a:bodyPr/>
-          <a:lstStyle/>
-          <a:p>
-            <a:r>
+          <a:bodyPr>
+            <a:normAutofit/>
+          </a:bodyPr>
+          <a:lstStyle/>
+          <a:p>
+            <a:r>
+              <a:rPr sz="2800" dirty="0" err="1">
+                <a:latin typeface="+mj-ea"/>
+              </a:rPr>
               <a:t>构建与运行</a:t>
             </a:r>
+            <a:endParaRPr sz="2800" dirty="0">
+              <a:latin typeface="+mj-ea"/>
+            </a:endParaRPr>
           </a:p>
         </p:txBody>
       </p:sp>
@@ -3397,30 +3558,146 @@
         </p:nvSpPr>
         <p:spPr/>
         <p:txBody>
-          <a:bodyPr/>
-          <a:lstStyle/>
-          <a:p>
-            <a:endParaRPr/>
-          </a:p>
-          <a:p>
-            <a:r>
-              <a:t>CMake &gt;= 3.16；Qt6 Widgets（回退 Qt5）</a:t>
-            </a:r>
-          </a:p>
-          <a:p>
-            <a:r>
-              <a:t>cmake -S . -B build -DCMAKE_PREFIX_PATH="&lt;Qt 安装路径&gt;"</a:t>
-            </a:r>
-          </a:p>
-          <a:p>
-            <a:r>
-              <a:t>cmake --build build --config Release</a:t>
-            </a:r>
-          </a:p>
-          <a:p>
-            <a:r>
-              <a:t>文件→打开 .exp → 打开 .gfc</a:t>
-            </a:r>
+          <a:bodyPr>
+            <a:normAutofit/>
+          </a:bodyPr>
+          <a:lstStyle/>
+          <a:p>
+            <a:endParaRPr sz="2400" dirty="0">
+              <a:latin typeface="Times New Roman" panose="02020603050405020304" pitchFamily="18" charset="0"/>
+              <a:cs typeface="Times New Roman" panose="02020603050405020304" pitchFamily="18" charset="0"/>
+            </a:endParaRPr>
+          </a:p>
+          <a:p>
+            <a:r>
+              <a:rPr sz="2400" dirty="0" err="1">
+                <a:latin typeface="Times New Roman" panose="02020603050405020304" pitchFamily="18" charset="0"/>
+                <a:cs typeface="Times New Roman" panose="02020603050405020304" pitchFamily="18" charset="0"/>
+              </a:rPr>
+              <a:t>CMake</a:t>
+            </a:r>
+            <a:r>
+              <a:rPr sz="2400" dirty="0">
+                <a:latin typeface="Times New Roman" panose="02020603050405020304" pitchFamily="18" charset="0"/>
+                <a:cs typeface="Times New Roman" panose="02020603050405020304" pitchFamily="18" charset="0"/>
+              </a:rPr>
+              <a:t> &gt;= 3.16；Qt6 </a:t>
+            </a:r>
+            <a:r>
+              <a:rPr sz="2400" dirty="0" err="1">
+                <a:latin typeface="Times New Roman" panose="02020603050405020304" pitchFamily="18" charset="0"/>
+                <a:cs typeface="Times New Roman" panose="02020603050405020304" pitchFamily="18" charset="0"/>
+              </a:rPr>
+              <a:t>Widgets（回退</a:t>
+            </a:r>
+            <a:r>
+              <a:rPr sz="2400" dirty="0">
+                <a:latin typeface="Times New Roman" panose="02020603050405020304" pitchFamily="18" charset="0"/>
+                <a:cs typeface="Times New Roman" panose="02020603050405020304" pitchFamily="18" charset="0"/>
+              </a:rPr>
+              <a:t> Qt5）</a:t>
+            </a:r>
+          </a:p>
+          <a:p>
+            <a:r>
+              <a:rPr sz="2400" dirty="0" err="1">
+                <a:latin typeface="Times New Roman" panose="02020603050405020304" pitchFamily="18" charset="0"/>
+                <a:cs typeface="Times New Roman" panose="02020603050405020304" pitchFamily="18" charset="0"/>
+              </a:rPr>
+              <a:t>cmake</a:t>
+            </a:r>
+            <a:r>
+              <a:rPr sz="2400" dirty="0">
+                <a:latin typeface="Times New Roman" panose="02020603050405020304" pitchFamily="18" charset="0"/>
+                <a:cs typeface="Times New Roman" panose="02020603050405020304" pitchFamily="18" charset="0"/>
+              </a:rPr>
+              <a:t> -S . -B build -DCMAKE_PREFIX_PATH="&lt;Qt </a:t>
+            </a:r>
+            <a:r>
+              <a:rPr sz="2400" dirty="0" err="1">
+                <a:latin typeface="Times New Roman" panose="02020603050405020304" pitchFamily="18" charset="0"/>
+                <a:cs typeface="Times New Roman" panose="02020603050405020304" pitchFamily="18" charset="0"/>
+              </a:rPr>
+              <a:t>安装路径</a:t>
+            </a:r>
+            <a:r>
+              <a:rPr sz="2400" dirty="0">
+                <a:latin typeface="Times New Roman" panose="02020603050405020304" pitchFamily="18" charset="0"/>
+                <a:cs typeface="Times New Roman" panose="02020603050405020304" pitchFamily="18" charset="0"/>
+              </a:rPr>
+              <a:t>&gt;"</a:t>
+            </a:r>
+          </a:p>
+          <a:p>
+            <a:r>
+              <a:rPr sz="2400" dirty="0" err="1">
+                <a:latin typeface="Times New Roman" panose="02020603050405020304" pitchFamily="18" charset="0"/>
+                <a:cs typeface="Times New Roman" panose="02020603050405020304" pitchFamily="18" charset="0"/>
+              </a:rPr>
+              <a:t>cmake</a:t>
+            </a:r>
+            <a:r>
+              <a:rPr sz="2400" dirty="0">
+                <a:latin typeface="Times New Roman" panose="02020603050405020304" pitchFamily="18" charset="0"/>
+                <a:cs typeface="Times New Roman" panose="02020603050405020304" pitchFamily="18" charset="0"/>
+              </a:rPr>
+              <a:t> --build </a:t>
+            </a:r>
+            <a:r>
+              <a:rPr sz="2400" dirty="0" err="1">
+                <a:latin typeface="Times New Roman" panose="02020603050405020304" pitchFamily="18" charset="0"/>
+                <a:cs typeface="Times New Roman" panose="02020603050405020304" pitchFamily="18" charset="0"/>
+              </a:rPr>
+              <a:t>build</a:t>
+            </a:r>
+            <a:r>
+              <a:rPr sz="2400" dirty="0">
+                <a:latin typeface="Times New Roman" panose="02020603050405020304" pitchFamily="18" charset="0"/>
+                <a:cs typeface="Times New Roman" panose="02020603050405020304" pitchFamily="18" charset="0"/>
+              </a:rPr>
+              <a:t> --config Release</a:t>
+            </a:r>
+          </a:p>
+          <a:p>
+            <a:r>
+              <a:rPr sz="2400" dirty="0" err="1">
+                <a:latin typeface="Times New Roman" panose="02020603050405020304" pitchFamily="18" charset="0"/>
+                <a:cs typeface="Times New Roman" panose="02020603050405020304" pitchFamily="18" charset="0"/>
+              </a:rPr>
+              <a:t>文件→打开</a:t>
+            </a:r>
+            <a:r>
+              <a:rPr sz="2400" dirty="0">
+                <a:latin typeface="Times New Roman" panose="02020603050405020304" pitchFamily="18" charset="0"/>
+                <a:cs typeface="Times New Roman" panose="02020603050405020304" pitchFamily="18" charset="0"/>
+              </a:rPr>
+              <a:t> .exp → </a:t>
+            </a:r>
+            <a:r>
+              <a:rPr sz="2400" dirty="0" err="1">
+                <a:latin typeface="Times New Roman" panose="02020603050405020304" pitchFamily="18" charset="0"/>
+                <a:cs typeface="Times New Roman" panose="02020603050405020304" pitchFamily="18" charset="0"/>
+              </a:rPr>
+              <a:t>打开</a:t>
+            </a:r>
+            <a:r>
+              <a:rPr sz="2400" dirty="0">
+                <a:latin typeface="Times New Roman" panose="02020603050405020304" pitchFamily="18" charset="0"/>
+                <a:cs typeface="Times New Roman" panose="02020603050405020304" pitchFamily="18" charset="0"/>
+              </a:rPr>
+              <a:t> .</a:t>
+            </a:r>
+            <a:r>
+              <a:rPr sz="2400" dirty="0" err="1">
+                <a:latin typeface="Times New Roman" panose="02020603050405020304" pitchFamily="18" charset="0"/>
+                <a:cs typeface="Times New Roman" panose="02020603050405020304" pitchFamily="18" charset="0"/>
+              </a:rPr>
+              <a:t>gfc</a:t>
+            </a:r>
+            <a:endParaRPr sz="2400" dirty="0">
+              <a:latin typeface="Times New Roman" panose="02020603050405020304" pitchFamily="18" charset="0"/>
+              <a:cs typeface="Times New Roman" panose="02020603050405020304" pitchFamily="18" charset="0"/>
+            </a:endParaRPr>
           </a:p>
         </p:txBody>
       </p:sp>
@@ -3451,7 +3728,245 @@
       </p:grpSpPr>
       <p:sp>
         <p:nvSpPr>
-          <p:cNvPr id="2" name="Title 1"/>
+          <p:cNvPr id="5" name="Content Placeholder 2">
+            <a:extLst>
+              <a:ext uri="{FF2B5EF4-FFF2-40B4-BE49-F238E27FC236}">
+                <a16:creationId xmlns:a16="http://schemas.microsoft.com/office/drawing/2014/main" id="{F24143D9-A750-773E-7C0F-6C355F599847}"/>
+              </a:ext>
+            </a:extLst>
+          </p:cNvPr>
+          <p:cNvSpPr>
+            <a:spLocks noGrp="1"/>
+          </p:cNvSpPr>
+          <p:nvPr>
+            <p:ph idx="1"/>
+          </p:nvPr>
+        </p:nvSpPr>
+        <p:spPr>
+          <a:xfrm>
+            <a:off x="400756" y="1330610"/>
+            <a:ext cx="8229600" cy="4525963"/>
+          </a:xfrm>
+        </p:spPr>
+        <p:txBody>
+          <a:bodyPr>
+            <a:normAutofit/>
+          </a:bodyPr>
+          <a:lstStyle/>
+          <a:p>
+            <a:r>
+              <a:rPr sz="2400" dirty="0" err="1">
+                <a:latin typeface="Times New Roman" panose="02020603050405020304" pitchFamily="18" charset="0"/>
+                <a:cs typeface="Times New Roman" panose="02020603050405020304" pitchFamily="18" charset="0"/>
+              </a:rPr>
+              <a:t>ExpressParser</a:t>
+            </a:r>
+            <a:r>
+              <a:rPr sz="2400" dirty="0">
+                <a:latin typeface="Times New Roman" panose="02020603050405020304" pitchFamily="18" charset="0"/>
+                <a:cs typeface="Times New Roman" panose="02020603050405020304" pitchFamily="18" charset="0"/>
+              </a:rPr>
+              <a:t>:</a:t>
+            </a:r>
+          </a:p>
+          <a:p>
+            <a:r>
+              <a:rPr sz="2400" dirty="0">
+                <a:latin typeface="Times New Roman" panose="02020603050405020304" pitchFamily="18" charset="0"/>
+                <a:cs typeface="Times New Roman" panose="02020603050405020304" pitchFamily="18" charset="0"/>
+              </a:rPr>
+              <a:t>• </a:t>
+            </a:r>
+            <a:r>
+              <a:rPr sz="2400" dirty="0" err="1">
+                <a:latin typeface="Times New Roman" panose="02020603050405020304" pitchFamily="18" charset="0"/>
+                <a:cs typeface="Times New Roman" panose="02020603050405020304" pitchFamily="18" charset="0"/>
+              </a:rPr>
+              <a:t>解析</a:t>
+            </a:r>
+            <a:r>
+              <a:rPr sz="2400" dirty="0">
+                <a:latin typeface="Times New Roman" panose="02020603050405020304" pitchFamily="18" charset="0"/>
+                <a:cs typeface="Times New Roman" panose="02020603050405020304" pitchFamily="18" charset="0"/>
+              </a:rPr>
+              <a:t> </a:t>
+            </a:r>
+            <a:r>
+              <a:rPr sz="2400" dirty="0" err="1">
+                <a:latin typeface="Times New Roman" panose="02020603050405020304" pitchFamily="18" charset="0"/>
+                <a:cs typeface="Times New Roman" panose="02020603050405020304" pitchFamily="18" charset="0"/>
+              </a:rPr>
+              <a:t>ENTITY，提取实体名与父类关系（跨行、多父类、注释容错</a:t>
+            </a:r>
+            <a:r>
+              <a:rPr sz="2400" dirty="0">
+                <a:latin typeface="Times New Roman" panose="02020603050405020304" pitchFamily="18" charset="0"/>
+                <a:cs typeface="Times New Roman" panose="02020603050405020304" pitchFamily="18" charset="0"/>
+              </a:rPr>
+              <a:t>）</a:t>
+            </a:r>
+          </a:p>
+          <a:p>
+            <a:r>
+              <a:rPr sz="2400" dirty="0">
+                <a:latin typeface="Times New Roman" panose="02020603050405020304" pitchFamily="18" charset="0"/>
+                <a:cs typeface="Times New Roman" panose="02020603050405020304" pitchFamily="18" charset="0"/>
+              </a:rPr>
+              <a:t>• </a:t>
+            </a:r>
+            <a:r>
+              <a:rPr sz="2400" dirty="0" err="1">
+                <a:latin typeface="Times New Roman" panose="02020603050405020304" pitchFamily="18" charset="0"/>
+                <a:cs typeface="Times New Roman" panose="02020603050405020304" pitchFamily="18" charset="0"/>
+              </a:rPr>
+              <a:t>属性解析，去除分号与空白</a:t>
+            </a:r>
+            <a:endParaRPr sz="2400" dirty="0">
+              <a:latin typeface="Times New Roman" panose="02020603050405020304" pitchFamily="18" charset="0"/>
+              <a:cs typeface="Times New Roman" panose="02020603050405020304" pitchFamily="18" charset="0"/>
+            </a:endParaRPr>
+          </a:p>
+          <a:p>
+            <a:r>
+              <a:rPr sz="2400" dirty="0">
+                <a:latin typeface="Times New Roman" panose="02020603050405020304" pitchFamily="18" charset="0"/>
+                <a:cs typeface="Times New Roman" panose="02020603050405020304" pitchFamily="18" charset="0"/>
+              </a:rPr>
+              <a:t>• </a:t>
+            </a:r>
+            <a:r>
+              <a:rPr sz="2400" dirty="0" err="1">
+                <a:latin typeface="Times New Roman" panose="02020603050405020304" pitchFamily="18" charset="0"/>
+                <a:cs typeface="Times New Roman" panose="02020603050405020304" pitchFamily="18" charset="0"/>
+              </a:rPr>
+              <a:t>构建父类-子类映射</a:t>
+            </a:r>
+            <a:endParaRPr sz="2400" dirty="0">
+              <a:latin typeface="Times New Roman" panose="02020603050405020304" pitchFamily="18" charset="0"/>
+              <a:cs typeface="Times New Roman" panose="02020603050405020304" pitchFamily="18" charset="0"/>
+            </a:endParaRPr>
+          </a:p>
+          <a:p>
+            <a:r>
+              <a:rPr sz="2400" dirty="0">
+                <a:latin typeface="Times New Roman" panose="02020603050405020304" pitchFamily="18" charset="0"/>
+                <a:cs typeface="Times New Roman" panose="02020603050405020304" pitchFamily="18" charset="0"/>
+              </a:rPr>
+              <a:t>• EOF </a:t>
+            </a:r>
+            <a:r>
+              <a:rPr sz="2400" dirty="0" err="1">
+                <a:latin typeface="Times New Roman" panose="02020603050405020304" pitchFamily="18" charset="0"/>
+                <a:cs typeface="Times New Roman" panose="02020603050405020304" pitchFamily="18" charset="0"/>
+              </a:rPr>
+              <a:t>宽松处理</a:t>
+            </a:r>
+            <a:endParaRPr sz="2400" dirty="0">
+              <a:latin typeface="Times New Roman" panose="02020603050405020304" pitchFamily="18" charset="0"/>
+              <a:cs typeface="Times New Roman" panose="02020603050405020304" pitchFamily="18" charset="0"/>
+            </a:endParaRPr>
+          </a:p>
+          <a:p>
+            <a:r>
+              <a:rPr sz="2400" dirty="0" err="1">
+                <a:latin typeface="Times New Roman" panose="02020603050405020304" pitchFamily="18" charset="0"/>
+                <a:cs typeface="Times New Roman" panose="02020603050405020304" pitchFamily="18" charset="0"/>
+              </a:rPr>
+              <a:t>GfcParser</a:t>
+            </a:r>
+            <a:r>
+              <a:rPr sz="2400" dirty="0">
+                <a:latin typeface="Times New Roman" panose="02020603050405020304" pitchFamily="18" charset="0"/>
+                <a:cs typeface="Times New Roman" panose="02020603050405020304" pitchFamily="18" charset="0"/>
+              </a:rPr>
+              <a:t>:</a:t>
+            </a:r>
+          </a:p>
+          <a:p>
+            <a:r>
+              <a:rPr sz="2400" dirty="0">
+                <a:latin typeface="Times New Roman" panose="02020603050405020304" pitchFamily="18" charset="0"/>
+                <a:cs typeface="Times New Roman" panose="02020603050405020304" pitchFamily="18" charset="0"/>
+              </a:rPr>
+              <a:t>• </a:t>
+            </a:r>
+            <a:r>
+              <a:rPr sz="2400" dirty="0" err="1">
+                <a:latin typeface="Times New Roman" panose="02020603050405020304" pitchFamily="18" charset="0"/>
+                <a:cs typeface="Times New Roman" panose="02020603050405020304" pitchFamily="18" charset="0"/>
+              </a:rPr>
+              <a:t>解析</a:t>
+            </a:r>
+            <a:r>
+              <a:rPr sz="2400" dirty="0">
+                <a:latin typeface="Times New Roman" panose="02020603050405020304" pitchFamily="18" charset="0"/>
+                <a:cs typeface="Times New Roman" panose="02020603050405020304" pitchFamily="18" charset="0"/>
+              </a:rPr>
+              <a:t> GFC </a:t>
+            </a:r>
+            <a:r>
+              <a:rPr sz="2400" dirty="0" err="1">
+                <a:latin typeface="Times New Roman" panose="02020603050405020304" pitchFamily="18" charset="0"/>
+                <a:cs typeface="Times New Roman" panose="02020603050405020304" pitchFamily="18" charset="0"/>
+              </a:rPr>
+              <a:t>实例编号与类名</a:t>
+            </a:r>
+            <a:endParaRPr sz="2400" dirty="0">
+              <a:latin typeface="Times New Roman" panose="02020603050405020304" pitchFamily="18" charset="0"/>
+              <a:cs typeface="Times New Roman" panose="02020603050405020304" pitchFamily="18" charset="0"/>
+            </a:endParaRPr>
+          </a:p>
+          <a:p>
+            <a:r>
+              <a:rPr sz="2400" dirty="0">
+                <a:latin typeface="Times New Roman" panose="02020603050405020304" pitchFamily="18" charset="0"/>
+                <a:cs typeface="Times New Roman" panose="02020603050405020304" pitchFamily="18" charset="0"/>
+              </a:rPr>
+              <a:t>• </a:t>
+            </a:r>
+            <a:r>
+              <a:rPr sz="2400" dirty="0" err="1">
+                <a:latin typeface="Times New Roman" panose="02020603050405020304" pitchFamily="18" charset="0"/>
+                <a:cs typeface="Times New Roman" panose="02020603050405020304" pitchFamily="18" charset="0"/>
+              </a:rPr>
+              <a:t>支持跨行与空白处理</a:t>
+            </a:r>
+            <a:endParaRPr sz="2400" dirty="0">
+              <a:latin typeface="Times New Roman" panose="02020603050405020304" pitchFamily="18" charset="0"/>
+              <a:cs typeface="Times New Roman" panose="02020603050405020304" pitchFamily="18" charset="0"/>
+            </a:endParaRPr>
+          </a:p>
+          <a:p>
+            <a:r>
+              <a:rPr sz="2400" dirty="0">
+                <a:latin typeface="Times New Roman" panose="02020603050405020304" pitchFamily="18" charset="0"/>
+                <a:cs typeface="Times New Roman" panose="02020603050405020304" pitchFamily="18" charset="0"/>
+              </a:rPr>
+              <a:t>• </a:t>
+            </a:r>
+            <a:r>
+              <a:rPr sz="2400" dirty="0" err="1">
+                <a:latin typeface="Times New Roman" panose="02020603050405020304" pitchFamily="18" charset="0"/>
+                <a:cs typeface="Times New Roman" panose="02020603050405020304" pitchFamily="18" charset="0"/>
+              </a:rPr>
+              <a:t>无效行过滤与实例计数</a:t>
+            </a:r>
+            <a:endParaRPr sz="2400" dirty="0">
+              <a:latin typeface="Times New Roman" panose="02020603050405020304" pitchFamily="18" charset="0"/>
+              <a:cs typeface="Times New Roman" panose="02020603050405020304" pitchFamily="18" charset="0"/>
+            </a:endParaRPr>
+          </a:p>
+        </p:txBody>
+      </p:sp>
+      <p:sp>
+        <p:nvSpPr>
+          <p:cNvPr id="6" name="Title 1">
+            <a:extLst>
+              <a:ext uri="{FF2B5EF4-FFF2-40B4-BE49-F238E27FC236}">
+                <a16:creationId xmlns:a16="http://schemas.microsoft.com/office/drawing/2014/main" id="{4332FD06-0C8F-D23C-7CA3-F931BF0EA4CF}"/>
+              </a:ext>
+            </a:extLst>
+          </p:cNvPr>
           <p:cNvSpPr>
             <a:spLocks noGrp="1"/>
           </p:cNvSpPr>
@@ -3459,57 +3974,48 @@
             <p:ph type="title"/>
           </p:nvPr>
         </p:nvSpPr>
-        <p:spPr/>
-        <p:txBody>
-          <a:bodyPr/>
-          <a:lstStyle/>
-          <a:p>
-            <a:r>
-              <a:t>演示步骤</a:t>
-            </a:r>
-          </a:p>
-        </p:txBody>
-      </p:sp>
-      <p:sp>
-        <p:nvSpPr>
-          <p:cNvPr id="3" name="Content Placeholder 2"/>
-          <p:cNvSpPr>
-            <a:spLocks noGrp="1"/>
-          </p:cNvSpPr>
-          <p:nvPr>
-            <p:ph idx="1"/>
-          </p:nvPr>
-        </p:nvSpPr>
-        <p:spPr/>
-        <p:txBody>
-          <a:bodyPr/>
-          <a:lstStyle/>
-          <a:p>
-            <a:endParaRPr/>
-          </a:p>
-          <a:p>
-            <a:r>
-              <a:t>打开 GFC3X4.exp → 打开 示例.gfc</a:t>
-            </a:r>
-          </a:p>
-          <a:p>
-            <a:r>
-              <a:t>展开类树，观察计数/实例节点</a:t>
-            </a:r>
-          </a:p>
-          <a:p>
-            <a:r>
-              <a:t>在文本中 Ctrl+单击 #id 跳转；点击实例行看属性</a:t>
-            </a:r>
-          </a:p>
-          <a:p>
-            <a:r>
-              <a:t>用“查找”演示底部定位列表</a:t>
-            </a:r>
+        <p:spPr>
+          <a:xfrm>
+            <a:off x="963592" y="363748"/>
+            <a:ext cx="7216815" cy="736178"/>
+          </a:xfrm>
+        </p:spPr>
+        <p:txBody>
+          <a:bodyPr>
+            <a:normAutofit/>
+          </a:bodyPr>
+          <a:lstStyle/>
+          <a:p>
+            <a:r>
+              <a:rPr sz="2800" dirty="0" err="1">
+                <a:latin typeface="+mj-ea"/>
+              </a:rPr>
+              <a:t>核心</a:t>
+            </a:r>
+            <a:r>
+              <a:rPr lang="zh-CN" altLang="en-US" sz="2800" dirty="0">
+                <a:latin typeface="+mj-ea"/>
+              </a:rPr>
+              <a:t>测试</a:t>
+            </a:r>
+            <a:r>
+              <a:rPr sz="2800" dirty="0" err="1">
+                <a:latin typeface="+mj-ea"/>
+              </a:rPr>
+              <a:t>功能</a:t>
+            </a:r>
+            <a:endParaRPr sz="2800" dirty="0">
+              <a:latin typeface="+mj-ea"/>
+            </a:endParaRPr>
           </a:p>
         </p:txBody>
       </p:sp>
     </p:spTree>
+    <p:extLst>
+      <p:ext uri="{BB962C8B-B14F-4D97-AF65-F5344CB8AC3E}">
+        <p14:creationId xmlns:p14="http://schemas.microsoft.com/office/powerpoint/2010/main" val="2455396877"/>
+      </p:ext>
+    </p:extLst>
   </p:cSld>
   <p:clrMapOvr>
     <a:masterClrMapping/>
@@ -3518,6 +4024,616 @@
 </file>
 
 <file path=ppt/slides/slide13.xml><?xml version="1.0" encoding="utf-8"?>
+<p:sld xmlns:a="http://schemas.openxmlformats.org/drawingml/2006/main" xmlns:r="http://schemas.openxmlformats.org/officeDocument/2006/relationships" xmlns:p="http://schemas.openxmlformats.org/presentationml/2006/main">
+  <p:cSld>
+    <p:spTree>
+      <p:nvGrpSpPr>
+        <p:cNvPr id="1" name=""/>
+        <p:cNvGrpSpPr/>
+        <p:nvPr/>
+      </p:nvGrpSpPr>
+      <p:grpSpPr>
+        <a:xfrm>
+          <a:off x="0" y="0"/>
+          <a:ext cx="0" cy="0"/>
+          <a:chOff x="0" y="0"/>
+          <a:chExt cx="0" cy="0"/>
+        </a:xfrm>
+      </p:grpSpPr>
+      <p:sp>
+        <p:nvSpPr>
+          <p:cNvPr id="4" name="Title 1">
+            <a:extLst>
+              <a:ext uri="{FF2B5EF4-FFF2-40B4-BE49-F238E27FC236}">
+                <a16:creationId xmlns:a16="http://schemas.microsoft.com/office/drawing/2014/main" id="{DBE0626B-69C6-151D-0548-22F27834D412}"/>
+              </a:ext>
+            </a:extLst>
+          </p:cNvPr>
+          <p:cNvSpPr>
+            <a:spLocks noGrp="1"/>
+          </p:cNvSpPr>
+          <p:nvPr>
+            <p:ph type="title"/>
+          </p:nvPr>
+        </p:nvSpPr>
+        <p:spPr>
+          <a:xfrm>
+            <a:off x="457200" y="274638"/>
+            <a:ext cx="8229600" cy="1143000"/>
+          </a:xfrm>
+        </p:spPr>
+        <p:txBody>
+          <a:bodyPr>
+            <a:normAutofit/>
+          </a:bodyPr>
+          <a:lstStyle/>
+          <a:p>
+            <a:r>
+              <a:rPr sz="2800" dirty="0" err="1">
+                <a:latin typeface="+mj-ea"/>
+              </a:rPr>
+              <a:t>测试实现</a:t>
+            </a:r>
+            <a:endParaRPr sz="2800" dirty="0">
+              <a:latin typeface="+mj-ea"/>
+            </a:endParaRPr>
+          </a:p>
+        </p:txBody>
+      </p:sp>
+      <p:sp>
+        <p:nvSpPr>
+          <p:cNvPr id="5" name="Content Placeholder 2">
+            <a:extLst>
+              <a:ext uri="{FF2B5EF4-FFF2-40B4-BE49-F238E27FC236}">
+                <a16:creationId xmlns:a16="http://schemas.microsoft.com/office/drawing/2014/main" id="{E2DE3035-D1FF-A964-6538-FD1F1CEE177F}"/>
+              </a:ext>
+            </a:extLst>
+          </p:cNvPr>
+          <p:cNvSpPr>
+            <a:spLocks noGrp="1"/>
+          </p:cNvSpPr>
+          <p:nvPr>
+            <p:ph idx="1"/>
+          </p:nvPr>
+        </p:nvSpPr>
+        <p:spPr>
+          <a:xfrm>
+            <a:off x="457200" y="1600200"/>
+            <a:ext cx="8229600" cy="4525963"/>
+          </a:xfrm>
+        </p:spPr>
+        <p:txBody>
+          <a:bodyPr>
+            <a:normAutofit/>
+          </a:bodyPr>
+          <a:lstStyle/>
+          <a:p>
+            <a:pPr marL="0" indent="0">
+              <a:buNone/>
+            </a:pPr>
+            <a:r>
+              <a:rPr sz="2400" dirty="0" err="1">
+                <a:latin typeface="Times New Roman" panose="02020603050405020304" pitchFamily="18" charset="0"/>
+                <a:cs typeface="Times New Roman" panose="02020603050405020304" pitchFamily="18" charset="0"/>
+              </a:rPr>
+              <a:t>使用</a:t>
+            </a:r>
+            <a:r>
+              <a:rPr sz="2400" dirty="0">
+                <a:latin typeface="Times New Roman" panose="02020603050405020304" pitchFamily="18" charset="0"/>
+                <a:cs typeface="Times New Roman" panose="02020603050405020304" pitchFamily="18" charset="0"/>
+              </a:rPr>
+              <a:t> </a:t>
+            </a:r>
+            <a:r>
+              <a:rPr sz="2400" dirty="0" err="1">
+                <a:latin typeface="Times New Roman" panose="02020603050405020304" pitchFamily="18" charset="0"/>
+                <a:cs typeface="Times New Roman" panose="02020603050405020304" pitchFamily="18" charset="0"/>
+              </a:rPr>
+              <a:t>GoogleTest</a:t>
+            </a:r>
+            <a:r>
+              <a:rPr sz="2400" dirty="0">
+                <a:latin typeface="Times New Roman" panose="02020603050405020304" pitchFamily="18" charset="0"/>
+                <a:cs typeface="Times New Roman" panose="02020603050405020304" pitchFamily="18" charset="0"/>
+              </a:rPr>
+              <a:t> </a:t>
+            </a:r>
+            <a:r>
+              <a:rPr sz="2400" dirty="0" err="1">
+                <a:latin typeface="Times New Roman" panose="02020603050405020304" pitchFamily="18" charset="0"/>
+                <a:cs typeface="Times New Roman" panose="02020603050405020304" pitchFamily="18" charset="0"/>
+              </a:rPr>
+              <a:t>框架，覆盖</a:t>
+            </a:r>
+            <a:r>
+              <a:rPr sz="2400" dirty="0">
+                <a:latin typeface="Times New Roman" panose="02020603050405020304" pitchFamily="18" charset="0"/>
+                <a:cs typeface="Times New Roman" panose="02020603050405020304" pitchFamily="18" charset="0"/>
+              </a:rPr>
+              <a:t>：</a:t>
+            </a:r>
+          </a:p>
+          <a:p>
+            <a:pPr marL="0" indent="0">
+              <a:buNone/>
+            </a:pPr>
+            <a:r>
+              <a:rPr sz="2400" dirty="0">
+                <a:latin typeface="Times New Roman" panose="02020603050405020304" pitchFamily="18" charset="0"/>
+                <a:cs typeface="Times New Roman" panose="02020603050405020304" pitchFamily="18" charset="0"/>
+              </a:rPr>
+              <a:t>• </a:t>
+            </a:r>
+            <a:r>
+              <a:rPr sz="2400" dirty="0" err="1">
+                <a:latin typeface="Times New Roman" panose="02020603050405020304" pitchFamily="18" charset="0"/>
+                <a:cs typeface="Times New Roman" panose="02020603050405020304" pitchFamily="18" charset="0"/>
+              </a:rPr>
+              <a:t>ExpressParser</a:t>
+            </a:r>
+            <a:r>
+              <a:rPr sz="2400" dirty="0">
+                <a:latin typeface="Times New Roman" panose="02020603050405020304" pitchFamily="18" charset="0"/>
+                <a:cs typeface="Times New Roman" panose="02020603050405020304" pitchFamily="18" charset="0"/>
+              </a:rPr>
+              <a:t> </a:t>
+            </a:r>
+            <a:r>
+              <a:rPr sz="2400" dirty="0" err="1">
+                <a:latin typeface="Times New Roman" panose="02020603050405020304" pitchFamily="18" charset="0"/>
+                <a:cs typeface="Times New Roman" panose="02020603050405020304" pitchFamily="18" charset="0"/>
+              </a:rPr>
+              <a:t>基本解析与父子映射</a:t>
+            </a:r>
+            <a:endParaRPr sz="2400" dirty="0">
+              <a:latin typeface="Times New Roman" panose="02020603050405020304" pitchFamily="18" charset="0"/>
+              <a:cs typeface="Times New Roman" panose="02020603050405020304" pitchFamily="18" charset="0"/>
+            </a:endParaRPr>
+          </a:p>
+          <a:p>
+            <a:pPr marL="0" indent="0">
+              <a:buNone/>
+            </a:pPr>
+            <a:r>
+              <a:rPr sz="2400" dirty="0">
+                <a:latin typeface="Times New Roman" panose="02020603050405020304" pitchFamily="18" charset="0"/>
+                <a:cs typeface="Times New Roman" panose="02020603050405020304" pitchFamily="18" charset="0"/>
+              </a:rPr>
+              <a:t>• </a:t>
+            </a:r>
+            <a:r>
+              <a:rPr sz="2400" dirty="0" err="1">
+                <a:latin typeface="Times New Roman" panose="02020603050405020304" pitchFamily="18" charset="0"/>
+                <a:cs typeface="Times New Roman" panose="02020603050405020304" pitchFamily="18" charset="0"/>
+              </a:rPr>
+              <a:t>属性裁剪功能</a:t>
+            </a:r>
+            <a:endParaRPr sz="2400" dirty="0">
+              <a:latin typeface="Times New Roman" panose="02020603050405020304" pitchFamily="18" charset="0"/>
+              <a:cs typeface="Times New Roman" panose="02020603050405020304" pitchFamily="18" charset="0"/>
+            </a:endParaRPr>
+          </a:p>
+          <a:p>
+            <a:pPr marL="0" indent="0">
+              <a:buNone/>
+            </a:pPr>
+            <a:r>
+              <a:rPr sz="2400" dirty="0">
+                <a:latin typeface="Times New Roman" panose="02020603050405020304" pitchFamily="18" charset="0"/>
+                <a:cs typeface="Times New Roman" panose="02020603050405020304" pitchFamily="18" charset="0"/>
+              </a:rPr>
+              <a:t>• </a:t>
+            </a:r>
+            <a:r>
+              <a:rPr sz="2400" dirty="0" err="1">
+                <a:latin typeface="Times New Roman" panose="02020603050405020304" pitchFamily="18" charset="0"/>
+                <a:cs typeface="Times New Roman" panose="02020603050405020304" pitchFamily="18" charset="0"/>
+              </a:rPr>
+              <a:t>GfcParser</a:t>
+            </a:r>
+            <a:r>
+              <a:rPr sz="2400" dirty="0">
+                <a:latin typeface="Times New Roman" panose="02020603050405020304" pitchFamily="18" charset="0"/>
+                <a:cs typeface="Times New Roman" panose="02020603050405020304" pitchFamily="18" charset="0"/>
+              </a:rPr>
+              <a:t> </a:t>
+            </a:r>
+            <a:r>
+              <a:rPr sz="2400" dirty="0" err="1">
+                <a:latin typeface="Times New Roman" panose="02020603050405020304" pitchFamily="18" charset="0"/>
+                <a:cs typeface="Times New Roman" panose="02020603050405020304" pitchFamily="18" charset="0"/>
+              </a:rPr>
+              <a:t>实例解析与计数</a:t>
+            </a:r>
+            <a:endParaRPr sz="2400" dirty="0">
+              <a:latin typeface="Times New Roman" panose="02020603050405020304" pitchFamily="18" charset="0"/>
+              <a:cs typeface="Times New Roman" panose="02020603050405020304" pitchFamily="18" charset="0"/>
+            </a:endParaRPr>
+          </a:p>
+          <a:p>
+            <a:pPr marL="0" indent="0">
+              <a:buNone/>
+            </a:pPr>
+            <a:r>
+              <a:rPr sz="2400" dirty="0">
+                <a:latin typeface="Times New Roman" panose="02020603050405020304" pitchFamily="18" charset="0"/>
+                <a:cs typeface="Times New Roman" panose="02020603050405020304" pitchFamily="18" charset="0"/>
+              </a:rPr>
+              <a:t>• </a:t>
+            </a:r>
+            <a:r>
+              <a:rPr sz="2400" dirty="0" err="1">
+                <a:latin typeface="Times New Roman" panose="02020603050405020304" pitchFamily="18" charset="0"/>
+                <a:cs typeface="Times New Roman" panose="02020603050405020304" pitchFamily="18" charset="0"/>
+              </a:rPr>
+              <a:t>空白</a:t>
+            </a:r>
+            <a:r>
+              <a:rPr sz="2400" dirty="0">
+                <a:latin typeface="Times New Roman" panose="02020603050405020304" pitchFamily="18" charset="0"/>
+                <a:cs typeface="Times New Roman" panose="02020603050405020304" pitchFamily="18" charset="0"/>
+              </a:rPr>
+              <a:t>/</a:t>
+            </a:r>
+            <a:r>
+              <a:rPr sz="2400" dirty="0" err="1">
+                <a:latin typeface="Times New Roman" panose="02020603050405020304" pitchFamily="18" charset="0"/>
+                <a:cs typeface="Times New Roman" panose="02020603050405020304" pitchFamily="18" charset="0"/>
+              </a:rPr>
+              <a:t>无效行处理</a:t>
+            </a:r>
+            <a:endParaRPr sz="2400" dirty="0">
+              <a:latin typeface="Times New Roman" panose="02020603050405020304" pitchFamily="18" charset="0"/>
+              <a:cs typeface="Times New Roman" panose="02020603050405020304" pitchFamily="18" charset="0"/>
+            </a:endParaRPr>
+          </a:p>
+          <a:p>
+            <a:pPr marL="0" indent="0">
+              <a:buNone/>
+            </a:pPr>
+            <a:r>
+              <a:rPr sz="2400" dirty="0">
+                <a:latin typeface="Times New Roman" panose="02020603050405020304" pitchFamily="18" charset="0"/>
+                <a:cs typeface="Times New Roman" panose="02020603050405020304" pitchFamily="18" charset="0"/>
+              </a:rPr>
+              <a:t>• </a:t>
+            </a:r>
+            <a:r>
+              <a:rPr sz="2400" dirty="0" err="1">
+                <a:latin typeface="Times New Roman" panose="02020603050405020304" pitchFamily="18" charset="0"/>
+                <a:cs typeface="Times New Roman" panose="02020603050405020304" pitchFamily="18" charset="0"/>
+              </a:rPr>
+              <a:t>实例索引解析边界情况</a:t>
+            </a:r>
+            <a:endParaRPr sz="2400" dirty="0">
+              <a:latin typeface="Times New Roman" panose="02020603050405020304" pitchFamily="18" charset="0"/>
+              <a:cs typeface="Times New Roman" panose="02020603050405020304" pitchFamily="18" charset="0"/>
+            </a:endParaRPr>
+          </a:p>
+        </p:txBody>
+      </p:sp>
+    </p:spTree>
+    <p:extLst>
+      <p:ext uri="{BB962C8B-B14F-4D97-AF65-F5344CB8AC3E}">
+        <p14:creationId xmlns:p14="http://schemas.microsoft.com/office/powerpoint/2010/main" val="3350942725"/>
+      </p:ext>
+    </p:extLst>
+  </p:cSld>
+  <p:clrMapOvr>
+    <a:masterClrMapping/>
+  </p:clrMapOvr>
+</p:sld>
+</file>
+
+<file path=ppt/slides/slide14.xml><?xml version="1.0" encoding="utf-8"?>
+<p:sld xmlns:a="http://schemas.openxmlformats.org/drawingml/2006/main" xmlns:r="http://schemas.openxmlformats.org/officeDocument/2006/relationships" xmlns:p="http://schemas.openxmlformats.org/presentationml/2006/main">
+  <p:cSld>
+    <p:spTree>
+      <p:nvGrpSpPr>
+        <p:cNvPr id="1" name=""/>
+        <p:cNvGrpSpPr/>
+        <p:nvPr/>
+      </p:nvGrpSpPr>
+      <p:grpSpPr>
+        <a:xfrm>
+          <a:off x="0" y="0"/>
+          <a:ext cx="0" cy="0"/>
+          <a:chOff x="0" y="0"/>
+          <a:chExt cx="0" cy="0"/>
+        </a:xfrm>
+      </p:grpSpPr>
+      <p:sp>
+        <p:nvSpPr>
+          <p:cNvPr id="4" name="Title 1">
+            <a:extLst>
+              <a:ext uri="{FF2B5EF4-FFF2-40B4-BE49-F238E27FC236}">
+                <a16:creationId xmlns:a16="http://schemas.microsoft.com/office/drawing/2014/main" id="{631E5F71-F48F-71EF-8D9A-423C3DB21B73}"/>
+              </a:ext>
+            </a:extLst>
+          </p:cNvPr>
+          <p:cNvSpPr>
+            <a:spLocks noGrp="1"/>
+          </p:cNvSpPr>
+          <p:nvPr>
+            <p:ph type="title"/>
+          </p:nvPr>
+        </p:nvSpPr>
+        <p:spPr>
+          <a:xfrm>
+            <a:off x="457200" y="274638"/>
+            <a:ext cx="8229600" cy="1143000"/>
+          </a:xfrm>
+        </p:spPr>
+        <p:txBody>
+          <a:bodyPr>
+            <a:normAutofit/>
+          </a:bodyPr>
+          <a:lstStyle/>
+          <a:p>
+            <a:r>
+              <a:rPr sz="2800" dirty="0" err="1">
+                <a:latin typeface="+mj-ea"/>
+              </a:rPr>
+              <a:t>主要测试用例讲解</a:t>
+            </a:r>
+            <a:endParaRPr sz="2800" dirty="0">
+              <a:latin typeface="+mj-ea"/>
+            </a:endParaRPr>
+          </a:p>
+        </p:txBody>
+      </p:sp>
+      <p:sp>
+        <p:nvSpPr>
+          <p:cNvPr id="5" name="Content Placeholder 2">
+            <a:extLst>
+              <a:ext uri="{FF2B5EF4-FFF2-40B4-BE49-F238E27FC236}">
+                <a16:creationId xmlns:a16="http://schemas.microsoft.com/office/drawing/2014/main" id="{A92C16B8-6B54-E933-DF68-ECE08D22DFC7}"/>
+              </a:ext>
+            </a:extLst>
+          </p:cNvPr>
+          <p:cNvSpPr>
+            <a:spLocks noGrp="1"/>
+          </p:cNvSpPr>
+          <p:nvPr>
+            <p:ph idx="1"/>
+          </p:nvPr>
+        </p:nvSpPr>
+        <p:spPr>
+          <a:xfrm>
+            <a:off x="457200" y="1600200"/>
+            <a:ext cx="8229600" cy="4525963"/>
+          </a:xfrm>
+        </p:spPr>
+        <p:txBody>
+          <a:bodyPr>
+            <a:normAutofit/>
+          </a:bodyPr>
+          <a:lstStyle/>
+          <a:p>
+            <a:r>
+              <a:rPr sz="2400" dirty="0" err="1">
+                <a:latin typeface="Times New Roman" panose="02020603050405020304" pitchFamily="18" charset="0"/>
+                <a:cs typeface="Times New Roman" panose="02020603050405020304" pitchFamily="18" charset="0"/>
+              </a:rPr>
+              <a:t>ExpressParser</a:t>
+            </a:r>
+            <a:r>
+              <a:rPr sz="2400" dirty="0">
+                <a:latin typeface="Times New Roman" panose="02020603050405020304" pitchFamily="18" charset="0"/>
+                <a:cs typeface="Times New Roman" panose="02020603050405020304" pitchFamily="18" charset="0"/>
+              </a:rPr>
+              <a:t>::</a:t>
+            </a:r>
+            <a:r>
+              <a:rPr sz="2400" dirty="0" err="1">
+                <a:latin typeface="Times New Roman" panose="02020603050405020304" pitchFamily="18" charset="0"/>
+                <a:cs typeface="Times New Roman" panose="02020603050405020304" pitchFamily="18" charset="0"/>
+              </a:rPr>
+              <a:t>EntitiesParentAndAttrs</a:t>
+            </a:r>
+            <a:endParaRPr sz="2400" dirty="0">
+              <a:latin typeface="Times New Roman" panose="02020603050405020304" pitchFamily="18" charset="0"/>
+              <a:cs typeface="Times New Roman" panose="02020603050405020304" pitchFamily="18" charset="0"/>
+            </a:endParaRPr>
+          </a:p>
+          <a:p>
+            <a:r>
+              <a:rPr sz="2400" dirty="0">
+                <a:latin typeface="Times New Roman" panose="02020603050405020304" pitchFamily="18" charset="0"/>
+                <a:cs typeface="Times New Roman" panose="02020603050405020304" pitchFamily="18" charset="0"/>
+              </a:rPr>
+              <a:t>• </a:t>
+            </a:r>
+            <a:r>
+              <a:rPr sz="2400" dirty="0" err="1">
+                <a:latin typeface="Times New Roman" panose="02020603050405020304" pitchFamily="18" charset="0"/>
+                <a:cs typeface="Times New Roman" panose="02020603050405020304" pitchFamily="18" charset="0"/>
+              </a:rPr>
+              <a:t>验证解析实体名、父类列表（含跨行、多父类）及属性提取</a:t>
+            </a:r>
+            <a:endParaRPr sz="2400" dirty="0">
+              <a:latin typeface="Times New Roman" panose="02020603050405020304" pitchFamily="18" charset="0"/>
+              <a:cs typeface="Times New Roman" panose="02020603050405020304" pitchFamily="18" charset="0"/>
+            </a:endParaRPr>
+          </a:p>
+          <a:p>
+            <a:r>
+              <a:rPr sz="2400" dirty="0">
+                <a:latin typeface="Times New Roman" panose="02020603050405020304" pitchFamily="18" charset="0"/>
+                <a:cs typeface="Times New Roman" panose="02020603050405020304" pitchFamily="18" charset="0"/>
+              </a:rPr>
+              <a:t>• </a:t>
+            </a:r>
+            <a:r>
+              <a:rPr sz="2400" dirty="0" err="1">
+                <a:latin typeface="Times New Roman" panose="02020603050405020304" pitchFamily="18" charset="0"/>
+                <a:cs typeface="Times New Roman" panose="02020603050405020304" pitchFamily="18" charset="0"/>
+              </a:rPr>
+              <a:t>检查属性末尾分号与空格是否被正确裁剪</a:t>
+            </a:r>
+            <a:endParaRPr sz="2400" dirty="0">
+              <a:latin typeface="Times New Roman" panose="02020603050405020304" pitchFamily="18" charset="0"/>
+              <a:cs typeface="Times New Roman" panose="02020603050405020304" pitchFamily="18" charset="0"/>
+            </a:endParaRPr>
+          </a:p>
+          <a:p>
+            <a:r>
+              <a:rPr sz="2400" dirty="0" err="1">
+                <a:latin typeface="Times New Roman" panose="02020603050405020304" pitchFamily="18" charset="0"/>
+                <a:cs typeface="Times New Roman" panose="02020603050405020304" pitchFamily="18" charset="0"/>
+              </a:rPr>
+              <a:t>GfcParser</a:t>
+            </a:r>
+            <a:r>
+              <a:rPr sz="2400" dirty="0">
+                <a:latin typeface="Times New Roman" panose="02020603050405020304" pitchFamily="18" charset="0"/>
+                <a:cs typeface="Times New Roman" panose="02020603050405020304" pitchFamily="18" charset="0"/>
+              </a:rPr>
+              <a:t>::</a:t>
+            </a:r>
+            <a:r>
+              <a:rPr sz="2400" dirty="0" err="1">
+                <a:latin typeface="Times New Roman" panose="02020603050405020304" pitchFamily="18" charset="0"/>
+                <a:cs typeface="Times New Roman" panose="02020603050405020304" pitchFamily="18" charset="0"/>
+              </a:rPr>
+              <a:t>CountAndRefsBasic</a:t>
+            </a:r>
+            <a:endParaRPr sz="2400" dirty="0">
+              <a:latin typeface="Times New Roman" panose="02020603050405020304" pitchFamily="18" charset="0"/>
+              <a:cs typeface="Times New Roman" panose="02020603050405020304" pitchFamily="18" charset="0"/>
+            </a:endParaRPr>
+          </a:p>
+          <a:p>
+            <a:r>
+              <a:rPr sz="2400" dirty="0">
+                <a:latin typeface="Times New Roman" panose="02020603050405020304" pitchFamily="18" charset="0"/>
+                <a:cs typeface="Times New Roman" panose="02020603050405020304" pitchFamily="18" charset="0"/>
+              </a:rPr>
+              <a:t>• </a:t>
+            </a:r>
+            <a:r>
+              <a:rPr sz="2400" dirty="0" err="1">
+                <a:latin typeface="Times New Roman" panose="02020603050405020304" pitchFamily="18" charset="0"/>
+                <a:cs typeface="Times New Roman" panose="02020603050405020304" pitchFamily="18" charset="0"/>
+              </a:rPr>
+              <a:t>验证解析实例编号与类名，并正确计数与引用关系</a:t>
+            </a:r>
+            <a:endParaRPr sz="2400" dirty="0">
+              <a:latin typeface="Times New Roman" panose="02020603050405020304" pitchFamily="18" charset="0"/>
+              <a:cs typeface="Times New Roman" panose="02020603050405020304" pitchFamily="18" charset="0"/>
+            </a:endParaRPr>
+          </a:p>
+          <a:p>
+            <a:r>
+              <a:rPr sz="2400" dirty="0" err="1">
+                <a:latin typeface="Times New Roman" panose="02020603050405020304" pitchFamily="18" charset="0"/>
+                <a:cs typeface="Times New Roman" panose="02020603050405020304" pitchFamily="18" charset="0"/>
+              </a:rPr>
+              <a:t>GfcParser</a:t>
+            </a:r>
+            <a:r>
+              <a:rPr sz="2400" dirty="0">
+                <a:latin typeface="Times New Roman" panose="02020603050405020304" pitchFamily="18" charset="0"/>
+                <a:cs typeface="Times New Roman" panose="02020603050405020304" pitchFamily="18" charset="0"/>
+              </a:rPr>
+              <a:t>::</a:t>
+            </a:r>
+            <a:r>
+              <a:rPr sz="2400" dirty="0" err="1">
+                <a:latin typeface="Times New Roman" panose="02020603050405020304" pitchFamily="18" charset="0"/>
+                <a:cs typeface="Times New Roman" panose="02020603050405020304" pitchFamily="18" charset="0"/>
+              </a:rPr>
+              <a:t>WhitespaceAndInvalidLines</a:t>
+            </a:r>
+            <a:endParaRPr sz="2400" dirty="0">
+              <a:latin typeface="Times New Roman" panose="02020603050405020304" pitchFamily="18" charset="0"/>
+              <a:cs typeface="Times New Roman" panose="02020603050405020304" pitchFamily="18" charset="0"/>
+            </a:endParaRPr>
+          </a:p>
+          <a:p>
+            <a:r>
+              <a:rPr sz="2400" dirty="0">
+                <a:latin typeface="Times New Roman" panose="02020603050405020304" pitchFamily="18" charset="0"/>
+                <a:cs typeface="Times New Roman" panose="02020603050405020304" pitchFamily="18" charset="0"/>
+              </a:rPr>
+              <a:t>• </a:t>
+            </a:r>
+            <a:r>
+              <a:rPr sz="2400" dirty="0" err="1">
+                <a:latin typeface="Times New Roman" panose="02020603050405020304" pitchFamily="18" charset="0"/>
+                <a:cs typeface="Times New Roman" panose="02020603050405020304" pitchFamily="18" charset="0"/>
+              </a:rPr>
+              <a:t>验证空白行、无效行的过滤，以及跨行实例定义解析</a:t>
+            </a:r>
+            <a:endParaRPr sz="2400" dirty="0">
+              <a:latin typeface="Times New Roman" panose="02020603050405020304" pitchFamily="18" charset="0"/>
+              <a:cs typeface="Times New Roman" panose="02020603050405020304" pitchFamily="18" charset="0"/>
+            </a:endParaRPr>
+          </a:p>
+          <a:p>
+            <a:r>
+              <a:rPr sz="2400" dirty="0" err="1">
+                <a:latin typeface="Times New Roman" panose="02020603050405020304" pitchFamily="18" charset="0"/>
+                <a:cs typeface="Times New Roman" panose="02020603050405020304" pitchFamily="18" charset="0"/>
+              </a:rPr>
+              <a:t>GfcParser</a:t>
+            </a:r>
+            <a:r>
+              <a:rPr sz="2400" dirty="0">
+                <a:latin typeface="Times New Roman" panose="02020603050405020304" pitchFamily="18" charset="0"/>
+                <a:cs typeface="Times New Roman" panose="02020603050405020304" pitchFamily="18" charset="0"/>
+              </a:rPr>
+              <a:t>::</a:t>
+            </a:r>
+            <a:r>
+              <a:rPr sz="2400" dirty="0" err="1">
+                <a:latin typeface="Times New Roman" panose="02020603050405020304" pitchFamily="18" charset="0"/>
+                <a:cs typeface="Times New Roman" panose="02020603050405020304" pitchFamily="18" charset="0"/>
+              </a:rPr>
+              <a:t>ParseInstanceIndex</a:t>
+            </a:r>
+            <a:endParaRPr sz="2400" dirty="0">
+              <a:latin typeface="Times New Roman" panose="02020603050405020304" pitchFamily="18" charset="0"/>
+              <a:cs typeface="Times New Roman" panose="02020603050405020304" pitchFamily="18" charset="0"/>
+            </a:endParaRPr>
+          </a:p>
+          <a:p>
+            <a:r>
+              <a:rPr sz="2400" dirty="0">
+                <a:latin typeface="Times New Roman" panose="02020603050405020304" pitchFamily="18" charset="0"/>
+                <a:cs typeface="Times New Roman" panose="02020603050405020304" pitchFamily="18" charset="0"/>
+              </a:rPr>
+              <a:t>• </a:t>
+            </a:r>
+            <a:r>
+              <a:rPr sz="2400" dirty="0" err="1">
+                <a:latin typeface="Times New Roman" panose="02020603050405020304" pitchFamily="18" charset="0"/>
+                <a:cs typeface="Times New Roman" panose="02020603050405020304" pitchFamily="18" charset="0"/>
+              </a:rPr>
+              <a:t>验证实例编号解析的边界情况</a:t>
+            </a:r>
+            <a:endParaRPr sz="2400" dirty="0">
+              <a:latin typeface="Times New Roman" panose="02020603050405020304" pitchFamily="18" charset="0"/>
+              <a:cs typeface="Times New Roman" panose="02020603050405020304" pitchFamily="18" charset="0"/>
+            </a:endParaRPr>
+          </a:p>
+        </p:txBody>
+      </p:sp>
+    </p:spTree>
+    <p:extLst>
+      <p:ext uri="{BB962C8B-B14F-4D97-AF65-F5344CB8AC3E}">
+        <p14:creationId xmlns:p14="http://schemas.microsoft.com/office/powerpoint/2010/main" val="1733866255"/>
+      </p:ext>
+    </p:extLst>
+  </p:cSld>
+  <p:clrMapOvr>
+    <a:masterClrMapping/>
+  </p:clrMapOvr>
+</p:sld>
+</file>
+
+<file path=ppt/slides/slide15.xml><?xml version="1.0" encoding="utf-8"?>
 <p:sld xmlns:a="http://schemas.openxmlformats.org/drawingml/2006/main" xmlns:r="http://schemas.openxmlformats.org/officeDocument/2006/relationships" xmlns:p="http://schemas.openxmlformats.org/presentationml/2006/main">
   <p:cSld>
     <p:spTree>
@@ -3603,157 +4719,45 @@
       </p:grpSpPr>
       <p:sp>
         <p:nvSpPr>
-          <p:cNvPr id="2" name="Title 1"/>
-          <p:cNvSpPr>
-            <a:spLocks noGrp="1"/>
-          </p:cNvSpPr>
-          <p:nvPr>
-            <p:ph type="title"/>
-          </p:nvPr>
-        </p:nvSpPr>
-        <p:spPr/>
-        <p:txBody>
-          <a:bodyPr>
-            <a:normAutofit/>
-          </a:bodyPr>
-          <a:lstStyle/>
-          <a:p>
-            <a:r>
-              <a:rPr sz="2800" dirty="0" err="1"/>
-              <a:t>项目概览</a:t>
-            </a:r>
-            <a:endParaRPr sz="2800" dirty="0"/>
-          </a:p>
-        </p:txBody>
-      </p:sp>
-      <p:sp>
-        <p:nvSpPr>
-          <p:cNvPr id="3" name="Content Placeholder 2"/>
-          <p:cNvSpPr>
-            <a:spLocks noGrp="1"/>
-          </p:cNvSpPr>
-          <p:nvPr>
-            <p:ph idx="1"/>
-          </p:nvPr>
+          <p:cNvPr id="4" name="文本框 3">
+            <a:extLst>
+              <a:ext uri="{FF2B5EF4-FFF2-40B4-BE49-F238E27FC236}">
+                <a16:creationId xmlns:a16="http://schemas.microsoft.com/office/drawing/2014/main" id="{EE13BDE0-5172-D3BE-1D44-FF26C38E2608}"/>
+              </a:ext>
+            </a:extLst>
+          </p:cNvPr>
+          <p:cNvSpPr txBox="1"/>
+          <p:nvPr/>
         </p:nvSpPr>
         <p:spPr>
           <a:xfrm>
-            <a:off x="457200" y="1417638"/>
-            <a:ext cx="8229600" cy="4525963"/>
+            <a:off x="857956" y="914400"/>
+            <a:ext cx="7642577" cy="369332"/>
           </a:xfrm>
+          <a:prstGeom prst="rect">
+            <a:avLst/>
+          </a:prstGeom>
+          <a:noFill/>
         </p:spPr>
         <p:txBody>
-          <a:bodyPr>
-            <a:normAutofit/>
+          <a:bodyPr wrap="square" rtlCol="0">
+            <a:spAutoFit/>
           </a:bodyPr>
           <a:lstStyle/>
           <a:p>
-            <a:endParaRPr sz="2400" dirty="0"/>
-          </a:p>
-          <a:p>
-            <a:r>
-              <a:rPr sz="2400" dirty="0" err="1"/>
-              <a:t>读取</a:t>
-            </a:r>
-            <a:r>
-              <a:rPr sz="2400" dirty="0"/>
-              <a:t> .exp </a:t>
-            </a:r>
-            <a:r>
-              <a:rPr sz="2400" dirty="0" err="1"/>
-              <a:t>Schema，构建继承树与属性顺序</a:t>
-            </a:r>
-            <a:endParaRPr sz="2400" dirty="0"/>
-          </a:p>
-          <a:p>
-            <a:r>
-              <a:rPr sz="2400" dirty="0" err="1"/>
-              <a:t>读取</a:t>
-            </a:r>
-            <a:r>
-              <a:rPr sz="2400" dirty="0"/>
-              <a:t> .</a:t>
-            </a:r>
-            <a:r>
-              <a:rPr sz="2400" dirty="0" err="1"/>
-              <a:t>gfc</a:t>
-            </a:r>
-            <a:r>
-              <a:rPr sz="2400" dirty="0"/>
-              <a:t> </a:t>
-            </a:r>
-            <a:r>
-              <a:rPr sz="2400" dirty="0" err="1"/>
-              <a:t>数据，统计类实例（汇总</a:t>
-            </a:r>
-            <a:r>
-              <a:rPr sz="2400" dirty="0"/>
-              <a:t>）</a:t>
-            </a:r>
-          </a:p>
-          <a:p>
-            <a:r>
-              <a:rPr sz="2400" dirty="0" err="1"/>
-              <a:t>文本-视图-属性三方联动；Ctrl+单击</a:t>
-            </a:r>
-            <a:r>
-              <a:rPr sz="2400" dirty="0"/>
-              <a:t> #id </a:t>
-            </a:r>
-            <a:r>
-              <a:rPr sz="2400" dirty="0" err="1"/>
-              <a:t>跳转</a:t>
-            </a:r>
-            <a:endParaRPr sz="2400" dirty="0"/>
-          </a:p>
-          <a:p>
-            <a:r>
-              <a:rPr sz="2400" dirty="0" err="1"/>
-              <a:t>查找</a:t>
-            </a:r>
-            <a:r>
-              <a:rPr sz="2400" dirty="0"/>
-              <a:t>/</a:t>
-            </a:r>
-            <a:r>
-              <a:rPr sz="2400" dirty="0" err="1"/>
-              <a:t>替换</a:t>
-            </a:r>
-            <a:r>
-              <a:rPr sz="2400" dirty="0"/>
-              <a:t> + </a:t>
-            </a:r>
-            <a:r>
-              <a:rPr sz="2400" dirty="0" err="1"/>
-              <a:t>底部查找结果快速定位</a:t>
-            </a:r>
-            <a:endParaRPr sz="2400" dirty="0"/>
-          </a:p>
-          <a:p>
-            <a:r>
-              <a:rPr sz="2400" dirty="0"/>
-              <a:t>GFC </a:t>
-            </a:r>
-            <a:r>
-              <a:rPr sz="2400" dirty="0" err="1"/>
-              <a:t>语法高亮（字符串</a:t>
-            </a:r>
-            <a:r>
-              <a:rPr sz="2400" dirty="0"/>
-              <a:t>/</a:t>
-            </a:r>
-            <a:r>
-              <a:rPr sz="2400" dirty="0" err="1"/>
-              <a:t>数字</a:t>
-            </a:r>
-            <a:r>
-              <a:rPr sz="2400" dirty="0"/>
-              <a:t>/#id=/类名/注释/HEADER/DATA）</a:t>
+            <a:r>
+              <a:rPr lang="zh-CN" altLang="en-US" dirty="0"/>
+              <a:t>小组分工</a:t>
             </a:r>
           </a:p>
         </p:txBody>
       </p:sp>
     </p:spTree>
+    <p:extLst>
+      <p:ext uri="{BB962C8B-B14F-4D97-AF65-F5344CB8AC3E}">
+        <p14:creationId xmlns:p14="http://schemas.microsoft.com/office/powerpoint/2010/main" val="1286162563"/>
+      </p:ext>
+    </p:extLst>
   </p:cSld>
   <p:clrMapOvr>
     <a:masterClrMapping/>
@@ -3796,10 +4800,16 @@
           <a:lstStyle/>
           <a:p>
             <a:r>
-              <a:rPr sz="2800" dirty="0" err="1"/>
-              <a:t>目录结构</a:t>
-            </a:r>
-            <a:endParaRPr sz="2800" dirty="0"/>
+              <a:rPr sz="2800" dirty="0" err="1">
+                <a:latin typeface="+mn-ea"/>
+                <a:ea typeface="+mn-ea"/>
+              </a:rPr>
+              <a:t>项目概览</a:t>
+            </a:r>
+            <a:endParaRPr sz="2800" dirty="0">
+              <a:latin typeface="+mn-ea"/>
+              <a:ea typeface="+mn-ea"/>
+            </a:endParaRPr>
           </a:p>
         </p:txBody>
       </p:sp>
@@ -3815,7 +4825,7 @@
         </p:nvSpPr>
         <p:spPr>
           <a:xfrm>
-            <a:off x="457200" y="1472502"/>
+            <a:off x="457200" y="1417638"/>
             <a:ext cx="8229600" cy="4525963"/>
           </a:xfrm>
         </p:spPr>
@@ -3825,70 +4835,185 @@
           </a:bodyPr>
           <a:lstStyle/>
           <a:p>
-            <a:endParaRPr sz="2400" dirty="0"/>
-          </a:p>
-          <a:p>
-            <a:r>
-              <a:rPr sz="2400" dirty="0"/>
-              <a:t>CMakeLists.txt</a:t>
-            </a:r>
-          </a:p>
-          <a:p>
-            <a:pPr lvl="1"/>
-            <a:r>
-              <a:rPr sz="2400" dirty="0"/>
-              <a:t>resource/GFC3X4.exp</a:t>
-            </a:r>
-          </a:p>
-          <a:p>
-            <a:pPr lvl="1"/>
-            <a:r>
-              <a:rPr sz="2400" dirty="0"/>
-              <a:t>resource/</a:t>
-            </a:r>
-            <a:r>
-              <a:rPr sz="2400" dirty="0" err="1"/>
-              <a:t>示例.gfc</a:t>
-            </a:r>
-            <a:endParaRPr sz="2400" dirty="0"/>
-          </a:p>
-          <a:p>
-            <a:pPr lvl="1"/>
-            <a:r>
-              <a:rPr sz="2400" dirty="0" err="1"/>
-              <a:t>src</a:t>
-            </a:r>
-            <a:r>
-              <a:rPr sz="2400" dirty="0"/>
+            <a:endParaRPr sz="2400" dirty="0">
+              <a:latin typeface="Times New Roman" panose="02020603050405020304" pitchFamily="18" charset="0"/>
+              <a:cs typeface="Times New Roman" panose="02020603050405020304" pitchFamily="18" charset="0"/>
+            </a:endParaRPr>
+          </a:p>
+          <a:p>
+            <a:r>
+              <a:rPr sz="2400" dirty="0" err="1">
+                <a:latin typeface="Times New Roman" panose="02020603050405020304" pitchFamily="18" charset="0"/>
+                <a:cs typeface="Times New Roman" panose="02020603050405020304" pitchFamily="18" charset="0"/>
+              </a:rPr>
+              <a:t>读取</a:t>
+            </a:r>
+            <a:r>
+              <a:rPr sz="2400" dirty="0">
+                <a:latin typeface="Times New Roman" panose="02020603050405020304" pitchFamily="18" charset="0"/>
+                <a:cs typeface="Times New Roman" panose="02020603050405020304" pitchFamily="18" charset="0"/>
+              </a:rPr>
+              <a:t> .exp </a:t>
+            </a:r>
+            <a:r>
+              <a:rPr sz="2400" dirty="0" err="1">
+                <a:latin typeface="Times New Roman" panose="02020603050405020304" pitchFamily="18" charset="0"/>
+                <a:cs typeface="Times New Roman" panose="02020603050405020304" pitchFamily="18" charset="0"/>
+              </a:rPr>
+              <a:t>Schema，构建继承树与属性顺序</a:t>
+            </a:r>
+            <a:endParaRPr sz="2400" dirty="0">
+              <a:latin typeface="Times New Roman" panose="02020603050405020304" pitchFamily="18" charset="0"/>
+              <a:cs typeface="Times New Roman" panose="02020603050405020304" pitchFamily="18" charset="0"/>
+            </a:endParaRPr>
+          </a:p>
+          <a:p>
+            <a:r>
+              <a:rPr sz="2400" dirty="0" err="1">
+                <a:latin typeface="Times New Roman" panose="02020603050405020304" pitchFamily="18" charset="0"/>
+                <a:cs typeface="Times New Roman" panose="02020603050405020304" pitchFamily="18" charset="0"/>
+              </a:rPr>
+              <a:t>读取</a:t>
+            </a:r>
+            <a:r>
+              <a:rPr sz="2400" dirty="0">
+                <a:latin typeface="Times New Roman" panose="02020603050405020304" pitchFamily="18" charset="0"/>
+                <a:cs typeface="Times New Roman" panose="02020603050405020304" pitchFamily="18" charset="0"/>
+              </a:rPr>
+              <a:t> .</a:t>
+            </a:r>
+            <a:r>
+              <a:rPr sz="2400" dirty="0" err="1">
+                <a:latin typeface="Times New Roman" panose="02020603050405020304" pitchFamily="18" charset="0"/>
+                <a:cs typeface="Times New Roman" panose="02020603050405020304" pitchFamily="18" charset="0"/>
+              </a:rPr>
+              <a:t>gfc</a:t>
+            </a:r>
+            <a:r>
+              <a:rPr sz="2400" dirty="0">
+                <a:latin typeface="Times New Roman" panose="02020603050405020304" pitchFamily="18" charset="0"/>
+                <a:cs typeface="Times New Roman" panose="02020603050405020304" pitchFamily="18" charset="0"/>
+              </a:rPr>
+              <a:t> </a:t>
+            </a:r>
+            <a:r>
+              <a:rPr sz="2400" dirty="0" err="1">
+                <a:latin typeface="Times New Roman" panose="02020603050405020304" pitchFamily="18" charset="0"/>
+                <a:cs typeface="Times New Roman" panose="02020603050405020304" pitchFamily="18" charset="0"/>
+              </a:rPr>
+              <a:t>数据，统计类实例（汇总</a:t>
+            </a:r>
+            <a:r>
+              <a:rPr sz="2400" dirty="0">
+                <a:latin typeface="Times New Roman" panose="02020603050405020304" pitchFamily="18" charset="0"/>
+                <a:cs typeface="Times New Roman" panose="02020603050405020304" pitchFamily="18" charset="0"/>
+              </a:rPr>
+              <a:t>）</a:t>
+            </a:r>
+          </a:p>
+          <a:p>
+            <a:r>
+              <a:rPr sz="2400" dirty="0" err="1">
+                <a:latin typeface="Times New Roman" panose="02020603050405020304" pitchFamily="18" charset="0"/>
+                <a:cs typeface="Times New Roman" panose="02020603050405020304" pitchFamily="18" charset="0"/>
+              </a:rPr>
+              <a:t>文本-视图-属性三方联动；Ctrl+单击</a:t>
+            </a:r>
+            <a:r>
+              <a:rPr sz="2400" dirty="0">
+                <a:latin typeface="Times New Roman" panose="02020603050405020304" pitchFamily="18" charset="0"/>
+                <a:cs typeface="Times New Roman" panose="02020603050405020304" pitchFamily="18" charset="0"/>
+              </a:rPr>
+              <a:t> #id </a:t>
+            </a:r>
+            <a:r>
+              <a:rPr sz="2400" dirty="0" err="1">
+                <a:latin typeface="Times New Roman" panose="02020603050405020304" pitchFamily="18" charset="0"/>
+                <a:cs typeface="Times New Roman" panose="02020603050405020304" pitchFamily="18" charset="0"/>
+              </a:rPr>
+              <a:t>跳转</a:t>
+            </a:r>
+            <a:endParaRPr sz="2400" dirty="0">
+              <a:latin typeface="Times New Roman" panose="02020603050405020304" pitchFamily="18" charset="0"/>
+              <a:cs typeface="Times New Roman" panose="02020603050405020304" pitchFamily="18" charset="0"/>
+            </a:endParaRPr>
+          </a:p>
+          <a:p>
+            <a:r>
+              <a:rPr sz="2400" dirty="0" err="1">
+                <a:latin typeface="Times New Roman" panose="02020603050405020304" pitchFamily="18" charset="0"/>
+                <a:cs typeface="Times New Roman" panose="02020603050405020304" pitchFamily="18" charset="0"/>
+              </a:rPr>
+              <a:t>查找</a:t>
+            </a:r>
+            <a:r>
+              <a:rPr sz="2400" dirty="0">
+                <a:latin typeface="Times New Roman" panose="02020603050405020304" pitchFamily="18" charset="0"/>
+                <a:cs typeface="Times New Roman" panose="02020603050405020304" pitchFamily="18" charset="0"/>
+              </a:rPr>
               <a:t>/</a:t>
             </a:r>
-          </a:p>
-          <a:p>
-            <a:pPr lvl="1"/>
-            <a:r>
-              <a:rPr sz="2400" dirty="0"/>
-              <a:t>expressparser.*</a:t>
-            </a:r>
-          </a:p>
-          <a:p>
-            <a:pPr lvl="1"/>
-            <a:r>
-              <a:rPr sz="2400" dirty="0"/>
-              <a:t>gfcparser.*</a:t>
-            </a:r>
-          </a:p>
-          <a:p>
-            <a:pPr lvl="1"/>
-            <a:r>
-              <a:rPr sz="2400" dirty="0"/>
-              <a:t>mainwindow.*</a:t>
-            </a:r>
-          </a:p>
-          <a:p>
-            <a:pPr lvl="1"/>
-            <a:r>
-              <a:rPr sz="2400" dirty="0"/>
-              <a:t>main.cpp</a:t>
+            <a:r>
+              <a:rPr sz="2400" dirty="0" err="1">
+                <a:latin typeface="Times New Roman" panose="02020603050405020304" pitchFamily="18" charset="0"/>
+                <a:cs typeface="Times New Roman" panose="02020603050405020304" pitchFamily="18" charset="0"/>
+              </a:rPr>
+              <a:t>替换</a:t>
+            </a:r>
+            <a:r>
+              <a:rPr sz="2400" dirty="0">
+                <a:latin typeface="Times New Roman" panose="02020603050405020304" pitchFamily="18" charset="0"/>
+                <a:cs typeface="Times New Roman" panose="02020603050405020304" pitchFamily="18" charset="0"/>
+              </a:rPr>
+              <a:t> + </a:t>
+            </a:r>
+            <a:r>
+              <a:rPr sz="2400" dirty="0" err="1">
+                <a:latin typeface="Times New Roman" panose="02020603050405020304" pitchFamily="18" charset="0"/>
+                <a:cs typeface="Times New Roman" panose="02020603050405020304" pitchFamily="18" charset="0"/>
+              </a:rPr>
+              <a:t>底部查找结果快速定位</a:t>
+            </a:r>
+            <a:endParaRPr sz="2400" dirty="0">
+              <a:latin typeface="Times New Roman" panose="02020603050405020304" pitchFamily="18" charset="0"/>
+              <a:cs typeface="Times New Roman" panose="02020603050405020304" pitchFamily="18" charset="0"/>
+            </a:endParaRPr>
+          </a:p>
+          <a:p>
+            <a:r>
+              <a:rPr sz="2400" dirty="0">
+                <a:latin typeface="Times New Roman" panose="02020603050405020304" pitchFamily="18" charset="0"/>
+                <a:cs typeface="Times New Roman" panose="02020603050405020304" pitchFamily="18" charset="0"/>
+              </a:rPr>
+              <a:t>GFC </a:t>
+            </a:r>
+            <a:r>
+              <a:rPr sz="2400" dirty="0" err="1">
+                <a:latin typeface="Times New Roman" panose="02020603050405020304" pitchFamily="18" charset="0"/>
+                <a:cs typeface="Times New Roman" panose="02020603050405020304" pitchFamily="18" charset="0"/>
+              </a:rPr>
+              <a:t>语法高亮（字符串</a:t>
+            </a:r>
+            <a:r>
+              <a:rPr sz="2400" dirty="0">
+                <a:latin typeface="Times New Roman" panose="02020603050405020304" pitchFamily="18" charset="0"/>
+                <a:cs typeface="Times New Roman" panose="02020603050405020304" pitchFamily="18" charset="0"/>
+              </a:rPr>
+              <a:t>/</a:t>
+            </a:r>
+            <a:r>
+              <a:rPr sz="2400" dirty="0" err="1">
+                <a:latin typeface="Times New Roman" panose="02020603050405020304" pitchFamily="18" charset="0"/>
+                <a:cs typeface="Times New Roman" panose="02020603050405020304" pitchFamily="18" charset="0"/>
+              </a:rPr>
+              <a:t>数字</a:t>
+            </a:r>
+            <a:r>
+              <a:rPr sz="2400" dirty="0">
+                <a:latin typeface="Times New Roman" panose="02020603050405020304" pitchFamily="18" charset="0"/>
+                <a:cs typeface="Times New Roman" panose="02020603050405020304" pitchFamily="18" charset="0"/>
+              </a:rPr>
+              <a:t>/#id=/类名/注释/HEADER/DATA）</a:t>
             </a:r>
           </a:p>
         </p:txBody>
@@ -3936,10 +5061,16 @@
           <a:lstStyle/>
           <a:p>
             <a:r>
-              <a:rPr sz="2800" dirty="0" err="1"/>
-              <a:t>核心模块</a:t>
-            </a:r>
-            <a:endParaRPr sz="2800" dirty="0"/>
+              <a:rPr sz="2800" dirty="0" err="1">
+                <a:latin typeface="+mn-ea"/>
+                <a:ea typeface="+mn-ea"/>
+              </a:rPr>
+              <a:t>目录结构</a:t>
+            </a:r>
+            <a:endParaRPr sz="2800" dirty="0">
+              <a:latin typeface="+mn-ea"/>
+              <a:ea typeface="+mn-ea"/>
+            </a:endParaRPr>
           </a:p>
         </p:txBody>
       </p:sp>
@@ -3953,67 +5084,119 @@
             <p:ph idx="1"/>
           </p:nvPr>
         </p:nvSpPr>
-        <p:spPr/>
+        <p:spPr>
+          <a:xfrm>
+            <a:off x="457200" y="1472502"/>
+            <a:ext cx="8229600" cy="4525963"/>
+          </a:xfrm>
+        </p:spPr>
         <p:txBody>
           <a:bodyPr>
             <a:normAutofit/>
           </a:bodyPr>
           <a:lstStyle/>
           <a:p>
-            <a:endParaRPr sz="2400" dirty="0"/>
-          </a:p>
-          <a:p>
-            <a:r>
-              <a:rPr sz="2400" dirty="0" err="1"/>
-              <a:t>ExpressParser：ENTITY、SUBTYPE、属性行解析；childrenMap</a:t>
-            </a:r>
-            <a:r>
-              <a:rPr sz="2400" dirty="0"/>
-              <a:t> </a:t>
-            </a:r>
-            <a:r>
-              <a:rPr sz="2400" dirty="0" err="1"/>
-              <a:t>构建</a:t>
-            </a:r>
-            <a:endParaRPr sz="2400" dirty="0"/>
-          </a:p>
-          <a:p>
-            <a:r>
-              <a:rPr sz="2400" dirty="0" err="1"/>
-              <a:t>GfcParser：实例统计</a:t>
-            </a:r>
-            <a:r>
-              <a:rPr sz="2400" dirty="0"/>
-              <a:t>、#id </a:t>
-            </a:r>
-            <a:r>
-              <a:rPr sz="2400" dirty="0" err="1"/>
-              <a:t>解析、按顶层逗号切分参数</a:t>
-            </a:r>
-            <a:endParaRPr sz="2400" dirty="0"/>
-          </a:p>
-          <a:p>
-            <a:r>
-              <a:rPr sz="2400" dirty="0" err="1"/>
-              <a:t>MainWindow：菜单</a:t>
-            </a:r>
-            <a:r>
-              <a:rPr sz="2400" dirty="0"/>
+            <a:endParaRPr sz="2400" dirty="0">
+              <a:latin typeface="Times New Roman" panose="02020603050405020304" pitchFamily="18" charset="0"/>
+              <a:cs typeface="Times New Roman" panose="02020603050405020304" pitchFamily="18" charset="0"/>
+            </a:endParaRPr>
+          </a:p>
+          <a:p>
+            <a:r>
+              <a:rPr sz="2400" dirty="0">
+                <a:latin typeface="Times New Roman" panose="02020603050405020304" pitchFamily="18" charset="0"/>
+                <a:cs typeface="Times New Roman" panose="02020603050405020304" pitchFamily="18" charset="0"/>
+              </a:rPr>
+              <a:t>CMakeLists.txt</a:t>
+            </a:r>
+          </a:p>
+          <a:p>
+            <a:pPr lvl="1"/>
+            <a:r>
+              <a:rPr sz="2400" dirty="0">
+                <a:latin typeface="Times New Roman" panose="02020603050405020304" pitchFamily="18" charset="0"/>
+                <a:cs typeface="Times New Roman" panose="02020603050405020304" pitchFamily="18" charset="0"/>
+              </a:rPr>
+              <a:t>resource/GFC3X4.exp</a:t>
+            </a:r>
+          </a:p>
+          <a:p>
+            <a:pPr lvl="1"/>
+            <a:r>
+              <a:rPr sz="2400" dirty="0">
+                <a:latin typeface="Times New Roman" panose="02020603050405020304" pitchFamily="18" charset="0"/>
+                <a:cs typeface="Times New Roman" panose="02020603050405020304" pitchFamily="18" charset="0"/>
+              </a:rPr>
+              <a:t>resource/</a:t>
+            </a:r>
+            <a:r>
+              <a:rPr sz="2400" dirty="0" err="1">
+                <a:latin typeface="Times New Roman" panose="02020603050405020304" pitchFamily="18" charset="0"/>
+                <a:cs typeface="Times New Roman" panose="02020603050405020304" pitchFamily="18" charset="0"/>
+              </a:rPr>
+              <a:t>示例.gfc</a:t>
+            </a:r>
+            <a:endParaRPr sz="2400" dirty="0">
+              <a:latin typeface="Times New Roman" panose="02020603050405020304" pitchFamily="18" charset="0"/>
+              <a:cs typeface="Times New Roman" panose="02020603050405020304" pitchFamily="18" charset="0"/>
+            </a:endParaRPr>
+          </a:p>
+          <a:p>
+            <a:pPr lvl="1"/>
+            <a:r>
+              <a:rPr sz="2400" dirty="0" err="1">
+                <a:latin typeface="Times New Roman" panose="02020603050405020304" pitchFamily="18" charset="0"/>
+                <a:cs typeface="Times New Roman" panose="02020603050405020304" pitchFamily="18" charset="0"/>
+              </a:rPr>
+              <a:t>src</a:t>
+            </a:r>
+            <a:r>
+              <a:rPr sz="2400" dirty="0">
+                <a:latin typeface="Times New Roman" panose="02020603050405020304" pitchFamily="18" charset="0"/>
+                <a:cs typeface="Times New Roman" panose="02020603050405020304" pitchFamily="18" charset="0"/>
+              </a:rPr>
               <a:t>/</a:t>
             </a:r>
-            <a:r>
-              <a:rPr sz="2400" dirty="0" err="1"/>
-              <a:t>停靠窗、语法高亮、树构建、联动</a:t>
-            </a:r>
-            <a:r>
-              <a:rPr sz="2400" dirty="0"/>
-              <a:t>/</a:t>
-            </a:r>
-            <a:r>
-              <a:rPr sz="2400" dirty="0" err="1"/>
-              <a:t>跳转、查找列表</a:t>
-            </a:r>
-            <a:endParaRPr sz="2400" dirty="0"/>
+          </a:p>
+          <a:p>
+            <a:pPr lvl="1"/>
+            <a:r>
+              <a:rPr sz="2400" dirty="0">
+                <a:latin typeface="Times New Roman" panose="02020603050405020304" pitchFamily="18" charset="0"/>
+                <a:cs typeface="Times New Roman" panose="02020603050405020304" pitchFamily="18" charset="0"/>
+              </a:rPr>
+              <a:t>expressparser.*</a:t>
+            </a:r>
+          </a:p>
+          <a:p>
+            <a:pPr lvl="1"/>
+            <a:r>
+              <a:rPr sz="2400" dirty="0">
+                <a:latin typeface="Times New Roman" panose="02020603050405020304" pitchFamily="18" charset="0"/>
+                <a:cs typeface="Times New Roman" panose="02020603050405020304" pitchFamily="18" charset="0"/>
+              </a:rPr>
+              <a:t>gfcparser.*</a:t>
+            </a:r>
+          </a:p>
+          <a:p>
+            <a:pPr lvl="1"/>
+            <a:r>
+              <a:rPr sz="2400" dirty="0">
+                <a:latin typeface="Times New Roman" panose="02020603050405020304" pitchFamily="18" charset="0"/>
+                <a:cs typeface="Times New Roman" panose="02020603050405020304" pitchFamily="18" charset="0"/>
+              </a:rPr>
+              <a:t>mainwindow.*</a:t>
+            </a:r>
+          </a:p>
+          <a:p>
+            <a:pPr lvl="1"/>
+            <a:r>
+              <a:rPr sz="2400" dirty="0">
+                <a:latin typeface="Times New Roman" panose="02020603050405020304" pitchFamily="18" charset="0"/>
+                <a:cs typeface="Times New Roman" panose="02020603050405020304" pitchFamily="18" charset="0"/>
+              </a:rPr>
+              <a:t>main.cpp</a:t>
+            </a:r>
           </a:p>
         </p:txBody>
       </p:sp>
@@ -4054,12 +5237,22 @@
         </p:nvSpPr>
         <p:spPr/>
         <p:txBody>
-          <a:bodyPr/>
-          <a:lstStyle/>
-          <a:p>
-            <a:r>
-              <a:t>主要功能（1/2）</a:t>
-            </a:r>
+          <a:bodyPr>
+            <a:normAutofit/>
+          </a:bodyPr>
+          <a:lstStyle/>
+          <a:p>
+            <a:r>
+              <a:rPr sz="2800" dirty="0" err="1">
+                <a:latin typeface="+mn-ea"/>
+                <a:ea typeface="+mn-ea"/>
+              </a:rPr>
+              <a:t>核心模块</a:t>
+            </a:r>
+            <a:endParaRPr sz="2800" dirty="0">
+              <a:latin typeface="+mn-ea"/>
+              <a:ea typeface="+mn-ea"/>
+            </a:endParaRPr>
           </a:p>
         </p:txBody>
       </p:sp>
@@ -4075,25 +5268,110 @@
         </p:nvSpPr>
         <p:spPr/>
         <p:txBody>
-          <a:bodyPr/>
-          <a:lstStyle/>
-          <a:p>
-            <a:endParaRPr/>
-          </a:p>
-          <a:p>
-            <a:r>
-              <a:t>类继承树：直接/汇总计数，展开显示实例节点</a:t>
-            </a:r>
-          </a:p>
-          <a:p>
-            <a:r>
-              <a:t>属性区：按 .exp 属性顺序展示实例参数</a:t>
-            </a:r>
-          </a:p>
-          <a:p>
-            <a:r>
-              <a:t>语法高亮：字符串、数字、#id=、类名、注释、HEADER/DATA</a:t>
-            </a:r>
+          <a:bodyPr>
+            <a:normAutofit/>
+          </a:bodyPr>
+          <a:lstStyle/>
+          <a:p>
+            <a:endParaRPr sz="2400" dirty="0">
+              <a:latin typeface="Times New Roman" panose="02020603050405020304" pitchFamily="18" charset="0"/>
+              <a:cs typeface="Times New Roman" panose="02020603050405020304" pitchFamily="18" charset="0"/>
+            </a:endParaRPr>
+          </a:p>
+          <a:p>
+            <a:r>
+              <a:rPr sz="2400" dirty="0" err="1">
+                <a:latin typeface="Times New Roman" panose="02020603050405020304" pitchFamily="18" charset="0"/>
+                <a:cs typeface="Times New Roman" panose="02020603050405020304" pitchFamily="18" charset="0"/>
+              </a:rPr>
+              <a:t>ExpressParser：ENTITY、SUBTYPE、属性行解析；childrenMap</a:t>
+            </a:r>
+            <a:r>
+              <a:rPr sz="2400" dirty="0">
+                <a:latin typeface="Times New Roman" panose="02020603050405020304" pitchFamily="18" charset="0"/>
+                <a:cs typeface="Times New Roman" panose="02020603050405020304" pitchFamily="18" charset="0"/>
+              </a:rPr>
+              <a:t> </a:t>
+            </a:r>
+            <a:r>
+              <a:rPr sz="2400" dirty="0" err="1">
+                <a:latin typeface="Times New Roman" panose="02020603050405020304" pitchFamily="18" charset="0"/>
+                <a:cs typeface="Times New Roman" panose="02020603050405020304" pitchFamily="18" charset="0"/>
+              </a:rPr>
+              <a:t>构建</a:t>
+            </a:r>
+            <a:endParaRPr sz="2400" dirty="0">
+              <a:latin typeface="Times New Roman" panose="02020603050405020304" pitchFamily="18" charset="0"/>
+              <a:cs typeface="Times New Roman" panose="02020603050405020304" pitchFamily="18" charset="0"/>
+            </a:endParaRPr>
+          </a:p>
+          <a:p>
+            <a:r>
+              <a:rPr sz="2400" dirty="0" err="1">
+                <a:latin typeface="Times New Roman" panose="02020603050405020304" pitchFamily="18" charset="0"/>
+                <a:cs typeface="Times New Roman" panose="02020603050405020304" pitchFamily="18" charset="0"/>
+              </a:rPr>
+              <a:t>GfcParser：实例统计</a:t>
+            </a:r>
+            <a:r>
+              <a:rPr sz="2400" dirty="0">
+                <a:latin typeface="Times New Roman" panose="02020603050405020304" pitchFamily="18" charset="0"/>
+                <a:cs typeface="Times New Roman" panose="02020603050405020304" pitchFamily="18" charset="0"/>
+              </a:rPr>
+              <a:t>、#id </a:t>
+            </a:r>
+            <a:r>
+              <a:rPr sz="2400" dirty="0" err="1">
+                <a:latin typeface="Times New Roman" panose="02020603050405020304" pitchFamily="18" charset="0"/>
+                <a:cs typeface="Times New Roman" panose="02020603050405020304" pitchFamily="18" charset="0"/>
+              </a:rPr>
+              <a:t>解析、按顶层逗号切分参数</a:t>
+            </a:r>
+            <a:endParaRPr sz="2400" dirty="0">
+              <a:latin typeface="Times New Roman" panose="02020603050405020304" pitchFamily="18" charset="0"/>
+              <a:cs typeface="Times New Roman" panose="02020603050405020304" pitchFamily="18" charset="0"/>
+            </a:endParaRPr>
+          </a:p>
+          <a:p>
+            <a:r>
+              <a:rPr sz="2400" dirty="0" err="1">
+                <a:latin typeface="Times New Roman" panose="02020603050405020304" pitchFamily="18" charset="0"/>
+                <a:cs typeface="Times New Roman" panose="02020603050405020304" pitchFamily="18" charset="0"/>
+              </a:rPr>
+              <a:t>MainWindow：菜单</a:t>
+            </a:r>
+            <a:r>
+              <a:rPr sz="2400" dirty="0">
+                <a:latin typeface="Times New Roman" panose="02020603050405020304" pitchFamily="18" charset="0"/>
+                <a:cs typeface="Times New Roman" panose="02020603050405020304" pitchFamily="18" charset="0"/>
+              </a:rPr>
+              <a:t>/</a:t>
+            </a:r>
+            <a:r>
+              <a:rPr sz="2400" dirty="0" err="1">
+                <a:latin typeface="Times New Roman" panose="02020603050405020304" pitchFamily="18" charset="0"/>
+                <a:cs typeface="Times New Roman" panose="02020603050405020304" pitchFamily="18" charset="0"/>
+              </a:rPr>
+              <a:t>停靠窗、语法高亮、树构建、联动</a:t>
+            </a:r>
+            <a:r>
+              <a:rPr sz="2400" dirty="0">
+                <a:latin typeface="Times New Roman" panose="02020603050405020304" pitchFamily="18" charset="0"/>
+                <a:cs typeface="Times New Roman" panose="02020603050405020304" pitchFamily="18" charset="0"/>
+              </a:rPr>
+              <a:t>/</a:t>
+            </a:r>
+            <a:r>
+              <a:rPr sz="2400" dirty="0" err="1">
+                <a:latin typeface="Times New Roman" panose="02020603050405020304" pitchFamily="18" charset="0"/>
+                <a:cs typeface="Times New Roman" panose="02020603050405020304" pitchFamily="18" charset="0"/>
+              </a:rPr>
+              <a:t>跳转、查找列表</a:t>
+            </a:r>
+            <a:endParaRPr sz="2400" dirty="0">
+              <a:latin typeface="Times New Roman" panose="02020603050405020304" pitchFamily="18" charset="0"/>
+              <a:cs typeface="Times New Roman" panose="02020603050405020304" pitchFamily="18" charset="0"/>
+            </a:endParaRPr>
           </a:p>
         </p:txBody>
       </p:sp>
@@ -4134,11 +5412,16 @@
         </p:nvSpPr>
         <p:spPr/>
         <p:txBody>
-          <a:bodyPr/>
-          <a:lstStyle/>
-          <a:p>
-            <a:r>
-              <a:t>主要功能（2/2）</a:t>
+          <a:bodyPr>
+            <a:normAutofit/>
+          </a:bodyPr>
+          <a:lstStyle/>
+          <a:p>
+            <a:r>
+              <a:rPr sz="2800" dirty="0">
+                <a:latin typeface="+mj-ea"/>
+              </a:rPr>
+              <a:t>主要功能（1/2）</a:t>
             </a:r>
           </a:p>
         </p:txBody>
@@ -4155,29 +5438,98 @@
         </p:nvSpPr>
         <p:spPr/>
         <p:txBody>
-          <a:bodyPr/>
-          <a:lstStyle/>
-          <a:p>
-            <a:endParaRPr/>
-          </a:p>
-          <a:p>
-            <a:r>
-              <a:t>查找/替换：区分大小写、全字匹配</a:t>
-            </a:r>
-          </a:p>
-          <a:p>
-            <a:r>
-              <a:t>查找结果列表：行/列/上下文，双击跳转</a:t>
-            </a:r>
-          </a:p>
-          <a:p>
-            <a:r>
-              <a:t>Ctrl+单击 #id：跳到实例定义并高亮 #id=</a:t>
-            </a:r>
-          </a:p>
-          <a:p>
-            <a:r>
-              <a:t>导航：后退/前进；状态栏：光标与大小</a:t>
+          <a:bodyPr>
+            <a:normAutofit/>
+          </a:bodyPr>
+          <a:lstStyle/>
+          <a:p>
+            <a:endParaRPr sz="2400" dirty="0">
+              <a:latin typeface="Times New Roman" panose="02020603050405020304" pitchFamily="18" charset="0"/>
+              <a:cs typeface="Times New Roman" panose="02020603050405020304" pitchFamily="18" charset="0"/>
+            </a:endParaRPr>
+          </a:p>
+          <a:p>
+            <a:r>
+              <a:rPr sz="2400" dirty="0" err="1">
+                <a:latin typeface="Times New Roman" panose="02020603050405020304" pitchFamily="18" charset="0"/>
+                <a:cs typeface="Times New Roman" panose="02020603050405020304" pitchFamily="18" charset="0"/>
+              </a:rPr>
+              <a:t>类继承树：直接</a:t>
+            </a:r>
+            <a:r>
+              <a:rPr sz="2400" dirty="0">
+                <a:latin typeface="Times New Roman" panose="02020603050405020304" pitchFamily="18" charset="0"/>
+                <a:cs typeface="Times New Roman" panose="02020603050405020304" pitchFamily="18" charset="0"/>
+              </a:rPr>
+              <a:t>/</a:t>
+            </a:r>
+            <a:r>
+              <a:rPr sz="2400" dirty="0" err="1">
+                <a:latin typeface="Times New Roman" panose="02020603050405020304" pitchFamily="18" charset="0"/>
+                <a:cs typeface="Times New Roman" panose="02020603050405020304" pitchFamily="18" charset="0"/>
+              </a:rPr>
+              <a:t>汇总计数，展开显示实例节点</a:t>
+            </a:r>
+            <a:endParaRPr sz="2400" dirty="0">
+              <a:latin typeface="Times New Roman" panose="02020603050405020304" pitchFamily="18" charset="0"/>
+              <a:cs typeface="Times New Roman" panose="02020603050405020304" pitchFamily="18" charset="0"/>
+            </a:endParaRPr>
+          </a:p>
+          <a:p>
+            <a:r>
+              <a:rPr sz="2400" dirty="0" err="1">
+                <a:latin typeface="Times New Roman" panose="02020603050405020304" pitchFamily="18" charset="0"/>
+                <a:cs typeface="Times New Roman" panose="02020603050405020304" pitchFamily="18" charset="0"/>
+              </a:rPr>
+              <a:t>属性区：按</a:t>
+            </a:r>
+            <a:r>
+              <a:rPr sz="2400" dirty="0">
+                <a:latin typeface="Times New Roman" panose="02020603050405020304" pitchFamily="18" charset="0"/>
+                <a:cs typeface="Times New Roman" panose="02020603050405020304" pitchFamily="18" charset="0"/>
+              </a:rPr>
+              <a:t> .exp </a:t>
+            </a:r>
+            <a:r>
+              <a:rPr sz="2400" dirty="0" err="1">
+                <a:latin typeface="Times New Roman" panose="02020603050405020304" pitchFamily="18" charset="0"/>
+                <a:cs typeface="Times New Roman" panose="02020603050405020304" pitchFamily="18" charset="0"/>
+              </a:rPr>
+              <a:t>属性顺序展示实例参数</a:t>
+            </a:r>
+            <a:endParaRPr sz="2400" dirty="0">
+              <a:latin typeface="Times New Roman" panose="02020603050405020304" pitchFamily="18" charset="0"/>
+              <a:cs typeface="Times New Roman" panose="02020603050405020304" pitchFamily="18" charset="0"/>
+            </a:endParaRPr>
+          </a:p>
+          <a:p>
+            <a:r>
+              <a:rPr sz="2400" dirty="0" err="1">
+                <a:latin typeface="Times New Roman" panose="02020603050405020304" pitchFamily="18" charset="0"/>
+                <a:cs typeface="Times New Roman" panose="02020603050405020304" pitchFamily="18" charset="0"/>
+              </a:rPr>
+              <a:t>语法高亮：字符串、数字</a:t>
+            </a:r>
+            <a:r>
+              <a:rPr sz="2400" dirty="0">
+                <a:latin typeface="Times New Roman" panose="02020603050405020304" pitchFamily="18" charset="0"/>
+                <a:cs typeface="Times New Roman" panose="02020603050405020304" pitchFamily="18" charset="0"/>
+              </a:rPr>
+              <a:t>、#id=、</a:t>
+            </a:r>
+            <a:r>
+              <a:rPr sz="2400" dirty="0" err="1">
+                <a:latin typeface="Times New Roman" panose="02020603050405020304" pitchFamily="18" charset="0"/>
+                <a:cs typeface="Times New Roman" panose="02020603050405020304" pitchFamily="18" charset="0"/>
+              </a:rPr>
+              <a:t>类名、注释、HEADER</a:t>
+            </a:r>
+            <a:r>
+              <a:rPr sz="2400" dirty="0">
+                <a:latin typeface="Times New Roman" panose="02020603050405020304" pitchFamily="18" charset="0"/>
+                <a:cs typeface="Times New Roman" panose="02020603050405020304" pitchFamily="18" charset="0"/>
+              </a:rPr>
+              <a:t>/DATA</a:t>
             </a:r>
           </a:p>
         </p:txBody>
@@ -4219,11 +5571,17 @@
         </p:nvSpPr>
         <p:spPr/>
         <p:txBody>
-          <a:bodyPr/>
-          <a:lstStyle/>
-          <a:p>
-            <a:r>
-              <a:t>工作流：加载 Schema(.exp)</a:t>
+          <a:bodyPr>
+            <a:normAutofit/>
+          </a:bodyPr>
+          <a:lstStyle/>
+          <a:p>
+            <a:r>
+              <a:rPr sz="2800" dirty="0">
+                <a:latin typeface="+mn-ea"/>
+                <a:ea typeface="+mn-ea"/>
+              </a:rPr>
+              <a:t>主要功能（2/2）</a:t>
             </a:r>
           </a:p>
         </p:txBody>
@@ -4240,30 +5598,112 @@
         </p:nvSpPr>
         <p:spPr/>
         <p:txBody>
-          <a:bodyPr/>
-          <a:lstStyle/>
-          <a:p>
-            <a:endParaRPr/>
-          </a:p>
-          <a:p>
-            <a:r>
-              <a:t>文件→打开 .exp</a:t>
-            </a:r>
-          </a:p>
-          <a:p>
-            <a:r>
-              <a:t>ExpressParser::parseFile → classes()</a:t>
-            </a:r>
-          </a:p>
-          <a:p>
-            <a:r>
-              <a:t>buildChildrenMap() → children_</a:t>
-            </a:r>
-          </a:p>
-          <a:p>
-            <a:r>
-              <a:t>prepareSchemaIndex() → lowerToCamel_（大小写无关）</a:t>
-            </a:r>
+          <a:bodyPr>
+            <a:normAutofit/>
+          </a:bodyPr>
+          <a:lstStyle/>
+          <a:p>
+            <a:endParaRPr sz="2400" dirty="0">
+              <a:latin typeface="Times New Roman" panose="02020603050405020304" pitchFamily="18" charset="0"/>
+              <a:cs typeface="Times New Roman" panose="02020603050405020304" pitchFamily="18" charset="0"/>
+            </a:endParaRPr>
+          </a:p>
+          <a:p>
+            <a:r>
+              <a:rPr sz="2400" dirty="0" err="1">
+                <a:latin typeface="Times New Roman" panose="02020603050405020304" pitchFamily="18" charset="0"/>
+                <a:cs typeface="Times New Roman" panose="02020603050405020304" pitchFamily="18" charset="0"/>
+              </a:rPr>
+              <a:t>查找</a:t>
+            </a:r>
+            <a:r>
+              <a:rPr sz="2400" dirty="0">
+                <a:latin typeface="Times New Roman" panose="02020603050405020304" pitchFamily="18" charset="0"/>
+                <a:cs typeface="Times New Roman" panose="02020603050405020304" pitchFamily="18" charset="0"/>
+              </a:rPr>
+              <a:t>/</a:t>
+            </a:r>
+            <a:r>
+              <a:rPr sz="2400" dirty="0" err="1">
+                <a:latin typeface="Times New Roman" panose="02020603050405020304" pitchFamily="18" charset="0"/>
+                <a:cs typeface="Times New Roman" panose="02020603050405020304" pitchFamily="18" charset="0"/>
+              </a:rPr>
+              <a:t>替换：区分大小写、全字匹配</a:t>
+            </a:r>
+            <a:endParaRPr sz="2400" dirty="0">
+              <a:latin typeface="Times New Roman" panose="02020603050405020304" pitchFamily="18" charset="0"/>
+              <a:cs typeface="Times New Roman" panose="02020603050405020304" pitchFamily="18" charset="0"/>
+            </a:endParaRPr>
+          </a:p>
+          <a:p>
+            <a:r>
+              <a:rPr sz="2400" dirty="0" err="1">
+                <a:latin typeface="Times New Roman" panose="02020603050405020304" pitchFamily="18" charset="0"/>
+                <a:cs typeface="Times New Roman" panose="02020603050405020304" pitchFamily="18" charset="0"/>
+              </a:rPr>
+              <a:t>查找结果列表：行</a:t>
+            </a:r>
+            <a:r>
+              <a:rPr sz="2400" dirty="0">
+                <a:latin typeface="Times New Roman" panose="02020603050405020304" pitchFamily="18" charset="0"/>
+                <a:cs typeface="Times New Roman" panose="02020603050405020304" pitchFamily="18" charset="0"/>
+              </a:rPr>
+              <a:t>/列/</a:t>
+            </a:r>
+            <a:r>
+              <a:rPr sz="2400" dirty="0" err="1">
+                <a:latin typeface="Times New Roman" panose="02020603050405020304" pitchFamily="18" charset="0"/>
+                <a:cs typeface="Times New Roman" panose="02020603050405020304" pitchFamily="18" charset="0"/>
+              </a:rPr>
+              <a:t>上下文，双击跳转</a:t>
+            </a:r>
+            <a:endParaRPr sz="2400" dirty="0">
+              <a:latin typeface="Times New Roman" panose="02020603050405020304" pitchFamily="18" charset="0"/>
+              <a:cs typeface="Times New Roman" panose="02020603050405020304" pitchFamily="18" charset="0"/>
+            </a:endParaRPr>
+          </a:p>
+          <a:p>
+            <a:r>
+              <a:rPr sz="2400" dirty="0" err="1">
+                <a:latin typeface="Times New Roman" panose="02020603050405020304" pitchFamily="18" charset="0"/>
+                <a:cs typeface="Times New Roman" panose="02020603050405020304" pitchFamily="18" charset="0"/>
+              </a:rPr>
+              <a:t>Ctrl+单击</a:t>
+            </a:r>
+            <a:r>
+              <a:rPr sz="2400" dirty="0">
+                <a:latin typeface="Times New Roman" panose="02020603050405020304" pitchFamily="18" charset="0"/>
+                <a:cs typeface="Times New Roman" panose="02020603050405020304" pitchFamily="18" charset="0"/>
+              </a:rPr>
+              <a:t> #id：跳到实例定义并高亮 #id=</a:t>
+            </a:r>
+          </a:p>
+          <a:p>
+            <a:r>
+              <a:rPr sz="2400" dirty="0" err="1">
+                <a:latin typeface="Times New Roman" panose="02020603050405020304" pitchFamily="18" charset="0"/>
+                <a:cs typeface="Times New Roman" panose="02020603050405020304" pitchFamily="18" charset="0"/>
+              </a:rPr>
+              <a:t>导航：后退</a:t>
+            </a:r>
+            <a:r>
+              <a:rPr sz="2400" dirty="0">
+                <a:latin typeface="Times New Roman" panose="02020603050405020304" pitchFamily="18" charset="0"/>
+                <a:cs typeface="Times New Roman" panose="02020603050405020304" pitchFamily="18" charset="0"/>
+              </a:rPr>
+              <a:t>/</a:t>
+            </a:r>
+            <a:r>
+              <a:rPr sz="2400" dirty="0" err="1">
+                <a:latin typeface="Times New Roman" panose="02020603050405020304" pitchFamily="18" charset="0"/>
+                <a:cs typeface="Times New Roman" panose="02020603050405020304" pitchFamily="18" charset="0"/>
+              </a:rPr>
+              <a:t>前进；状态栏：光标与大小</a:t>
+            </a:r>
+            <a:endParaRPr sz="2400" dirty="0">
+              <a:latin typeface="Times New Roman" panose="02020603050405020304" pitchFamily="18" charset="0"/>
+              <a:cs typeface="Times New Roman" panose="02020603050405020304" pitchFamily="18" charset="0"/>
+            </a:endParaRPr>
           </a:p>
         </p:txBody>
       </p:sp>
@@ -4304,12 +5744,32 @@
         </p:nvSpPr>
         <p:spPr/>
         <p:txBody>
-          <a:bodyPr/>
-          <a:lstStyle/>
-          <a:p>
-            <a:r>
-              <a:t>工作流：加载 GFC 与建树</a:t>
-            </a:r>
+          <a:bodyPr>
+            <a:normAutofit/>
+          </a:bodyPr>
+          <a:lstStyle/>
+          <a:p>
+            <a:r>
+              <a:rPr sz="2800" dirty="0" err="1">
+                <a:latin typeface="+mj-ea"/>
+              </a:rPr>
+              <a:t>工作流：加载</a:t>
+            </a:r>
+            <a:r>
+              <a:rPr sz="2800" dirty="0">
+                <a:latin typeface="+mj-ea"/>
+              </a:rPr>
+              <a:t> GFC </a:t>
+            </a:r>
+            <a:r>
+              <a:rPr sz="2800" dirty="0" err="1">
+                <a:latin typeface="+mj-ea"/>
+              </a:rPr>
+              <a:t>与建树</a:t>
+            </a:r>
+            <a:endParaRPr sz="2800" dirty="0">
+              <a:latin typeface="+mj-ea"/>
+            </a:endParaRPr>
           </a:p>
         </p:txBody>
       </p:sp>
@@ -4325,25 +5785,113 @@
         </p:nvSpPr>
         <p:spPr/>
         <p:txBody>
-          <a:bodyPr/>
-          <a:lstStyle/>
-          <a:p>
-            <a:endParaRPr/>
-          </a:p>
-          <a:p>
-            <a:r>
-              <a:t>读取文本 → enableGfcSyntaxColors()</a:t>
-            </a:r>
-          </a:p>
-          <a:p>
-            <a:r>
-              <a:t>recomputeFromText()：收集实例；映射到 CamelCase；统计</a:t>
-            </a:r>
-          </a:p>
-          <a:p>
-            <a:r>
-              <a:t>rebuildClassTree()：按继承关系生成树并附带实例节点</a:t>
-            </a:r>
+          <a:bodyPr>
+            <a:normAutofit/>
+          </a:bodyPr>
+          <a:lstStyle/>
+          <a:p>
+            <a:endParaRPr sz="2400" dirty="0">
+              <a:latin typeface="Times New Roman" panose="02020603050405020304" pitchFamily="18" charset="0"/>
+              <a:cs typeface="Times New Roman" panose="02020603050405020304" pitchFamily="18" charset="0"/>
+            </a:endParaRPr>
+          </a:p>
+          <a:p>
+            <a:r>
+              <a:rPr sz="2400" dirty="0" err="1">
+                <a:latin typeface="Times New Roman" panose="02020603050405020304" pitchFamily="18" charset="0"/>
+                <a:cs typeface="Times New Roman" panose="02020603050405020304" pitchFamily="18" charset="0"/>
+              </a:rPr>
+              <a:t>读取文本</a:t>
+            </a:r>
+            <a:r>
+              <a:rPr sz="2400" dirty="0">
+                <a:latin typeface="Times New Roman" panose="02020603050405020304" pitchFamily="18" charset="0"/>
+                <a:cs typeface="Times New Roman" panose="02020603050405020304" pitchFamily="18" charset="0"/>
+              </a:rPr>
+              <a:t> → </a:t>
+            </a:r>
+            <a:r>
+              <a:rPr sz="2400" dirty="0" err="1">
+                <a:latin typeface="Times New Roman" panose="02020603050405020304" pitchFamily="18" charset="0"/>
+                <a:cs typeface="Times New Roman" panose="02020603050405020304" pitchFamily="18" charset="0"/>
+              </a:rPr>
+              <a:t>enableGfcSyntaxColors</a:t>
+            </a:r>
+            <a:r>
+              <a:rPr sz="2400" dirty="0">
+                <a:latin typeface="Times New Roman" panose="02020603050405020304" pitchFamily="18" charset="0"/>
+                <a:cs typeface="Times New Roman" panose="02020603050405020304" pitchFamily="18" charset="0"/>
+              </a:rPr>
+              <a:t>()</a:t>
+            </a:r>
+          </a:p>
+          <a:p>
+            <a:r>
+              <a:rPr sz="2400" dirty="0" err="1">
+                <a:latin typeface="Times New Roman" panose="02020603050405020304" pitchFamily="18" charset="0"/>
+                <a:cs typeface="Times New Roman" panose="02020603050405020304" pitchFamily="18" charset="0"/>
+              </a:rPr>
+              <a:t>recomputeFromText</a:t>
+            </a:r>
+            <a:r>
+              <a:rPr sz="2400" dirty="0">
+                <a:latin typeface="Times New Roman" panose="02020603050405020304" pitchFamily="18" charset="0"/>
+                <a:cs typeface="Times New Roman" panose="02020603050405020304" pitchFamily="18" charset="0"/>
+              </a:rPr>
+              <a:t>()：</a:t>
+            </a:r>
+            <a:r>
+              <a:rPr sz="2400" dirty="0" err="1">
+                <a:latin typeface="Times New Roman" panose="02020603050405020304" pitchFamily="18" charset="0"/>
+                <a:cs typeface="Times New Roman" panose="02020603050405020304" pitchFamily="18" charset="0"/>
+              </a:rPr>
+              <a:t>收集实例；映射到</a:t>
+            </a:r>
+            <a:r>
+              <a:rPr sz="2400" dirty="0">
+                <a:latin typeface="Times New Roman" panose="02020603050405020304" pitchFamily="18" charset="0"/>
+                <a:cs typeface="Times New Roman" panose="02020603050405020304" pitchFamily="18" charset="0"/>
+              </a:rPr>
+              <a:t> </a:t>
+            </a:r>
+            <a:r>
+              <a:rPr sz="2400" dirty="0" err="1">
+                <a:latin typeface="Times New Roman" panose="02020603050405020304" pitchFamily="18" charset="0"/>
+                <a:cs typeface="Times New Roman" panose="02020603050405020304" pitchFamily="18" charset="0"/>
+              </a:rPr>
+              <a:t>CamelCase；统计</a:t>
+            </a:r>
+            <a:endParaRPr sz="2400" dirty="0">
+              <a:latin typeface="Times New Roman" panose="02020603050405020304" pitchFamily="18" charset="0"/>
+              <a:cs typeface="Times New Roman" panose="02020603050405020304" pitchFamily="18" charset="0"/>
+            </a:endParaRPr>
+          </a:p>
+          <a:p>
+            <a:r>
+              <a:rPr sz="2400" dirty="0" err="1">
+                <a:latin typeface="Times New Roman" panose="02020603050405020304" pitchFamily="18" charset="0"/>
+                <a:cs typeface="Times New Roman" panose="02020603050405020304" pitchFamily="18" charset="0"/>
+              </a:rPr>
+              <a:t>rebuildClassTree</a:t>
+            </a:r>
+            <a:r>
+              <a:rPr sz="2400" dirty="0">
+                <a:latin typeface="Times New Roman" panose="02020603050405020304" pitchFamily="18" charset="0"/>
+                <a:cs typeface="Times New Roman" panose="02020603050405020304" pitchFamily="18" charset="0"/>
+              </a:rPr>
+              <a:t>()：</a:t>
+            </a:r>
+            <a:r>
+              <a:rPr sz="2400" dirty="0" err="1">
+                <a:latin typeface="Times New Roman" panose="02020603050405020304" pitchFamily="18" charset="0"/>
+                <a:cs typeface="Times New Roman" panose="02020603050405020304" pitchFamily="18" charset="0"/>
+              </a:rPr>
+              <a:t>按继承关系生成树并附带实例节点</a:t>
+            </a:r>
+            <a:endParaRPr sz="2400" dirty="0">
+              <a:latin typeface="Times New Roman" panose="02020603050405020304" pitchFamily="18" charset="0"/>
+              <a:cs typeface="Times New Roman" panose="02020603050405020304" pitchFamily="18" charset="0"/>
+            </a:endParaRPr>
           </a:p>
         </p:txBody>
       </p:sp>
@@ -4384,12 +5932,44 @@
         </p:nvSpPr>
         <p:spPr/>
         <p:txBody>
-          <a:bodyPr/>
-          <a:lstStyle/>
-          <a:p>
-            <a:r>
-              <a:t>文本/视图/属性联动</a:t>
-            </a:r>
+          <a:bodyPr>
+            <a:normAutofit/>
+          </a:bodyPr>
+          <a:lstStyle/>
+          <a:p>
+            <a:r>
+              <a:rPr sz="2800" dirty="0" err="1">
+                <a:latin typeface="+mj-ea"/>
+              </a:rPr>
+              <a:t>文本</a:t>
+            </a:r>
+            <a:r>
+              <a:rPr sz="2800" dirty="0">
+                <a:latin typeface="+mj-ea"/>
+              </a:rPr>
+              <a:t>/</a:t>
+            </a:r>
+            <a:r>
+              <a:rPr sz="2800" dirty="0" err="1">
+                <a:latin typeface="+mj-ea"/>
+              </a:rPr>
+              <a:t>视图</a:t>
+            </a:r>
+            <a:r>
+              <a:rPr sz="2800" dirty="0">
+                <a:latin typeface="+mj-ea"/>
+              </a:rPr>
+              <a:t>/</a:t>
+            </a:r>
+            <a:r>
+              <a:rPr sz="2800" dirty="0" err="1">
+                <a:latin typeface="+mj-ea"/>
+              </a:rPr>
+              <a:t>属性联动</a:t>
+            </a:r>
+            <a:endParaRPr sz="2800" dirty="0">
+              <a:latin typeface="+mj-ea"/>
+            </a:endParaRPr>
           </a:p>
         </p:txBody>
       </p:sp>
@@ -4405,25 +5985,194 @@
         </p:nvSpPr>
         <p:spPr/>
         <p:txBody>
-          <a:bodyPr/>
-          <a:lstStyle/>
-          <a:p>
-            <a:endParaRPr/>
-          </a:p>
-          <a:p>
-            <a:r>
-              <a:t>文本点击实例行 → showInstanceByPos(pos,false) → 属性表 &amp; 高亮</a:t>
-            </a:r>
-          </a:p>
-          <a:p>
-            <a:r>
-              <a:t>类树点击实例 → showInstanceByPos(pos,true) → 定位 &amp; 高亮</a:t>
-            </a:r>
-          </a:p>
-          <a:p>
-            <a:r>
-              <a:t>Ctrl+单击 #id → ctrlClickJumpToInstance → highlightIdTokenAt</a:t>
-            </a:r>
+          <a:bodyPr>
+            <a:normAutofit/>
+          </a:bodyPr>
+          <a:lstStyle/>
+          <a:p>
+            <a:endParaRPr sz="2400" dirty="0">
+              <a:latin typeface="Times New Roman" panose="02020603050405020304" pitchFamily="18" charset="0"/>
+              <a:cs typeface="Times New Roman" panose="02020603050405020304" pitchFamily="18" charset="0"/>
+            </a:endParaRPr>
+          </a:p>
+          <a:p>
+            <a:r>
+              <a:rPr sz="2400" dirty="0" err="1">
+                <a:latin typeface="Times New Roman" panose="02020603050405020304" pitchFamily="18" charset="0"/>
+                <a:cs typeface="Times New Roman" panose="02020603050405020304" pitchFamily="18" charset="0"/>
+              </a:rPr>
+              <a:t>文本点击实例行</a:t>
+            </a:r>
+            <a:r>
+              <a:rPr sz="2400" dirty="0">
+                <a:latin typeface="Times New Roman" panose="02020603050405020304" pitchFamily="18" charset="0"/>
+                <a:cs typeface="Times New Roman" panose="02020603050405020304" pitchFamily="18" charset="0"/>
+              </a:rPr>
+              <a:t> → </a:t>
+            </a:r>
+            <a:r>
+              <a:rPr sz="2400" dirty="0" err="1">
+                <a:latin typeface="Times New Roman" panose="02020603050405020304" pitchFamily="18" charset="0"/>
+                <a:cs typeface="Times New Roman" panose="02020603050405020304" pitchFamily="18" charset="0"/>
+              </a:rPr>
+              <a:t>showInstanceByPos</a:t>
+            </a:r>
+            <a:r>
+              <a:rPr sz="2400" dirty="0">
+                <a:latin typeface="Times New Roman" panose="02020603050405020304" pitchFamily="18" charset="0"/>
+                <a:cs typeface="Times New Roman" panose="02020603050405020304" pitchFamily="18" charset="0"/>
+              </a:rPr>
+              <a:t>(</a:t>
+            </a:r>
+            <a:r>
+              <a:rPr sz="2400" dirty="0" err="1">
+                <a:latin typeface="Times New Roman" panose="02020603050405020304" pitchFamily="18" charset="0"/>
+                <a:cs typeface="Times New Roman" panose="02020603050405020304" pitchFamily="18" charset="0"/>
+              </a:rPr>
+              <a:t>pos,false</a:t>
+            </a:r>
+            <a:r>
+              <a:rPr sz="2400" dirty="0">
+                <a:latin typeface="Times New Roman" panose="02020603050405020304" pitchFamily="18" charset="0"/>
+                <a:cs typeface="Times New Roman" panose="02020603050405020304" pitchFamily="18" charset="0"/>
+              </a:rPr>
+              <a:t>) → </a:t>
+            </a:r>
+            <a:r>
+              <a:rPr sz="2400" dirty="0" err="1">
+                <a:latin typeface="Times New Roman" panose="02020603050405020304" pitchFamily="18" charset="0"/>
+                <a:cs typeface="Times New Roman" panose="02020603050405020304" pitchFamily="18" charset="0"/>
+              </a:rPr>
+              <a:t>属性表</a:t>
+            </a:r>
+            <a:r>
+              <a:rPr sz="2400" dirty="0">
+                <a:latin typeface="Times New Roman" panose="02020603050405020304" pitchFamily="18" charset="0"/>
+                <a:cs typeface="Times New Roman" panose="02020603050405020304" pitchFamily="18" charset="0"/>
+              </a:rPr>
+              <a:t> &amp; </a:t>
+            </a:r>
+            <a:r>
+              <a:rPr sz="2400" dirty="0" err="1">
+                <a:latin typeface="Times New Roman" panose="02020603050405020304" pitchFamily="18" charset="0"/>
+                <a:cs typeface="Times New Roman" panose="02020603050405020304" pitchFamily="18" charset="0"/>
+              </a:rPr>
+              <a:t>高亮</a:t>
+            </a:r>
+            <a:endParaRPr sz="2400" dirty="0">
+              <a:latin typeface="Times New Roman" panose="02020603050405020304" pitchFamily="18" charset="0"/>
+              <a:cs typeface="Times New Roman" panose="02020603050405020304" pitchFamily="18" charset="0"/>
+            </a:endParaRPr>
+          </a:p>
+          <a:p>
+            <a:r>
+              <a:rPr sz="2400" dirty="0" err="1">
+                <a:latin typeface="Times New Roman" panose="02020603050405020304" pitchFamily="18" charset="0"/>
+                <a:cs typeface="Times New Roman" panose="02020603050405020304" pitchFamily="18" charset="0"/>
+              </a:rPr>
+              <a:t>类树点击实例</a:t>
+            </a:r>
+            <a:r>
+              <a:rPr sz="2400" dirty="0">
+                <a:latin typeface="Times New Roman" panose="02020603050405020304" pitchFamily="18" charset="0"/>
+                <a:cs typeface="Times New Roman" panose="02020603050405020304" pitchFamily="18" charset="0"/>
+              </a:rPr>
+              <a:t> → </a:t>
+            </a:r>
+            <a:r>
+              <a:rPr sz="2400" dirty="0" err="1">
+                <a:latin typeface="Times New Roman" panose="02020603050405020304" pitchFamily="18" charset="0"/>
+                <a:cs typeface="Times New Roman" panose="02020603050405020304" pitchFamily="18" charset="0"/>
+              </a:rPr>
+              <a:t>showInstanceByPos</a:t>
+            </a:r>
+            <a:r>
+              <a:rPr sz="2400" dirty="0">
+                <a:latin typeface="Times New Roman" panose="02020603050405020304" pitchFamily="18" charset="0"/>
+                <a:cs typeface="Times New Roman" panose="02020603050405020304" pitchFamily="18" charset="0"/>
+              </a:rPr>
+              <a:t>(</a:t>
+            </a:r>
+            <a:r>
+              <a:rPr sz="2400" dirty="0" err="1">
+                <a:latin typeface="Times New Roman" panose="02020603050405020304" pitchFamily="18" charset="0"/>
+                <a:cs typeface="Times New Roman" panose="02020603050405020304" pitchFamily="18" charset="0"/>
+              </a:rPr>
+              <a:t>pos,true</a:t>
+            </a:r>
+            <a:r>
+              <a:rPr sz="2400" dirty="0">
+                <a:latin typeface="Times New Roman" panose="02020603050405020304" pitchFamily="18" charset="0"/>
+                <a:cs typeface="Times New Roman" panose="02020603050405020304" pitchFamily="18" charset="0"/>
+              </a:rPr>
+              <a:t>) → </a:t>
+            </a:r>
+            <a:r>
+              <a:rPr sz="2400" dirty="0" err="1">
+                <a:latin typeface="Times New Roman" panose="02020603050405020304" pitchFamily="18" charset="0"/>
+                <a:cs typeface="Times New Roman" panose="02020603050405020304" pitchFamily="18" charset="0"/>
+              </a:rPr>
+              <a:t>定位</a:t>
+            </a:r>
+            <a:r>
+              <a:rPr sz="2400" dirty="0">
+                <a:latin typeface="Times New Roman" panose="02020603050405020304" pitchFamily="18" charset="0"/>
+                <a:cs typeface="Times New Roman" panose="02020603050405020304" pitchFamily="18" charset="0"/>
+              </a:rPr>
+              <a:t> &amp; </a:t>
+            </a:r>
+            <a:r>
+              <a:rPr sz="2400" dirty="0" err="1">
+                <a:latin typeface="Times New Roman" panose="02020603050405020304" pitchFamily="18" charset="0"/>
+                <a:cs typeface="Times New Roman" panose="02020603050405020304" pitchFamily="18" charset="0"/>
+              </a:rPr>
+              <a:t>高亮</a:t>
+            </a:r>
+            <a:endParaRPr sz="2400" dirty="0">
+              <a:latin typeface="Times New Roman" panose="02020603050405020304" pitchFamily="18" charset="0"/>
+              <a:cs typeface="Times New Roman" panose="02020603050405020304" pitchFamily="18" charset="0"/>
+            </a:endParaRPr>
+          </a:p>
+          <a:p>
+            <a:r>
+              <a:rPr sz="2400" dirty="0" err="1">
+                <a:latin typeface="Times New Roman" panose="02020603050405020304" pitchFamily="18" charset="0"/>
+                <a:cs typeface="Times New Roman" panose="02020603050405020304" pitchFamily="18" charset="0"/>
+              </a:rPr>
+              <a:t>Ctrl+单击</a:t>
+            </a:r>
+            <a:r>
+              <a:rPr sz="2400" dirty="0">
+                <a:latin typeface="Times New Roman" panose="02020603050405020304" pitchFamily="18" charset="0"/>
+                <a:cs typeface="Times New Roman" panose="02020603050405020304" pitchFamily="18" charset="0"/>
+              </a:rPr>
+              <a:t> #id → </a:t>
+            </a:r>
+            <a:r>
+              <a:rPr sz="2400" dirty="0" err="1">
+                <a:latin typeface="Times New Roman" panose="02020603050405020304" pitchFamily="18" charset="0"/>
+                <a:cs typeface="Times New Roman" panose="02020603050405020304" pitchFamily="18" charset="0"/>
+              </a:rPr>
+              <a:t>ctrlClickJumpToInstance</a:t>
+            </a:r>
+            <a:r>
+              <a:rPr sz="2400" dirty="0">
+                <a:latin typeface="Times New Roman" panose="02020603050405020304" pitchFamily="18" charset="0"/>
+                <a:cs typeface="Times New Roman" panose="02020603050405020304" pitchFamily="18" charset="0"/>
+              </a:rPr>
+              <a:t> → </a:t>
+            </a:r>
+            <a:r>
+              <a:rPr sz="2400" dirty="0" err="1">
+                <a:latin typeface="Times New Roman" panose="02020603050405020304" pitchFamily="18" charset="0"/>
+                <a:cs typeface="Times New Roman" panose="02020603050405020304" pitchFamily="18" charset="0"/>
+              </a:rPr>
+              <a:t>highlightIdTokenAt</a:t>
+            </a:r>
+            <a:endParaRPr sz="2400" dirty="0">
+              <a:latin typeface="Times New Roman" panose="02020603050405020304" pitchFamily="18" charset="0"/>
+              <a:cs typeface="Times New Roman" panose="02020603050405020304" pitchFamily="18" charset="0"/>
+            </a:endParaRPr>
           </a:p>
         </p:txBody>
       </p:sp>

--- a/TOT2025_presentation.pptx
+++ b/TOT2025_presentation.pptx
@@ -3244,8 +3244,8 @@
         </p:nvSpPr>
         <p:spPr>
           <a:xfrm>
-            <a:off x="5111496" y="4052937"/>
-            <a:ext cx="3959352" cy="2805063"/>
+            <a:off x="1645920" y="4483380"/>
+            <a:ext cx="7772400" cy="1687963"/>
           </a:xfrm>
           <a:prstGeom prst="rect">
             <a:avLst/>
@@ -3270,6 +3270,20 @@
               </a:rPr>
               <a:t>小组成员：谢明靓（组长）</a:t>
             </a:r>
+            <a:r>
+              <a:rPr lang="en-US" altLang="zh-CN" sz="2400" dirty="0">
+                <a:latin typeface="Times New Roman" panose="02020603050405020304" pitchFamily="18" charset="0"/>
+                <a:cs typeface="Times New Roman" panose="02020603050405020304" pitchFamily="18" charset="0"/>
+              </a:rPr>
+              <a:t> </a:t>
+            </a:r>
+            <a:r>
+              <a:rPr lang="zh-CN" altLang="en-US" sz="2400" dirty="0">
+                <a:latin typeface="Times New Roman" panose="02020603050405020304" pitchFamily="18" charset="0"/>
+                <a:cs typeface="Times New Roman" panose="02020603050405020304" pitchFamily="18" charset="0"/>
+              </a:rPr>
+              <a:t>段少彪</a:t>
+            </a:r>
             <a:endParaRPr lang="en-US" altLang="zh-CN" sz="2400" dirty="0">
               <a:latin typeface="Times New Roman" panose="02020603050405020304" pitchFamily="18" charset="0"/>
               <a:cs typeface="Times New Roman" panose="02020603050405020304" pitchFamily="18" charset="0"/>
@@ -3286,57 +3300,21 @@
                 <a:latin typeface="Times New Roman" panose="02020603050405020304" pitchFamily="18" charset="0"/>
                 <a:cs typeface="Times New Roman" panose="02020603050405020304" pitchFamily="18" charset="0"/>
               </a:rPr>
-              <a:t>                      </a:t>
+              <a:t>			  </a:t>
             </a:r>
             <a:r>
               <a:rPr lang="zh-CN" altLang="en-US" sz="2400" dirty="0">
                 <a:latin typeface="Times New Roman" panose="02020603050405020304" pitchFamily="18" charset="0"/>
                 <a:cs typeface="Times New Roman" panose="02020603050405020304" pitchFamily="18" charset="0"/>
               </a:rPr>
-              <a:t>段少彪</a:t>
-            </a:r>
-            <a:endParaRPr lang="en-US" altLang="zh-CN" sz="2400" dirty="0">
-              <a:latin typeface="Times New Roman" panose="02020603050405020304" pitchFamily="18" charset="0"/>
-              <a:cs typeface="Times New Roman" panose="02020603050405020304" pitchFamily="18" charset="0"/>
-            </a:endParaRPr>
-          </a:p>
-          <a:p>
-            <a:pPr>
-              <a:lnSpc>
-                <a:spcPct val="150000"/>
-              </a:lnSpc>
-            </a:pPr>
+              <a:t>卢文轩</a:t>
+            </a:r>
             <a:r>
               <a:rPr lang="en-US" altLang="zh-CN" sz="2400" dirty="0">
                 <a:latin typeface="Times New Roman" panose="02020603050405020304" pitchFamily="18" charset="0"/>
                 <a:cs typeface="Times New Roman" panose="02020603050405020304" pitchFamily="18" charset="0"/>
               </a:rPr>
-              <a:t>	                </a:t>
-            </a:r>
-            <a:r>
-              <a:rPr lang="zh-CN" altLang="en-US" sz="2400" dirty="0">
-                <a:latin typeface="Times New Roman" panose="02020603050405020304" pitchFamily="18" charset="0"/>
-                <a:cs typeface="Times New Roman" panose="02020603050405020304" pitchFamily="18" charset="0"/>
-              </a:rPr>
-              <a:t>卢文轩</a:t>
-            </a:r>
-            <a:endParaRPr lang="en-US" altLang="zh-CN" sz="2400" dirty="0">
-              <a:latin typeface="Times New Roman" panose="02020603050405020304" pitchFamily="18" charset="0"/>
-              <a:cs typeface="Times New Roman" panose="02020603050405020304" pitchFamily="18" charset="0"/>
-            </a:endParaRPr>
-          </a:p>
-          <a:p>
-            <a:pPr>
-              <a:lnSpc>
-                <a:spcPct val="150000"/>
-              </a:lnSpc>
-            </a:pPr>
-            <a:r>
-              <a:rPr lang="en-US" altLang="zh-CN" sz="2400" dirty="0">
-                <a:latin typeface="Times New Roman" panose="02020603050405020304" pitchFamily="18" charset="0"/>
-                <a:cs typeface="Times New Roman" panose="02020603050405020304" pitchFamily="18" charset="0"/>
-              </a:rPr>
-              <a:t>                      </a:t>
+              <a:t>                 </a:t>
             </a:r>
             <a:r>
               <a:rPr lang="zh-CN" altLang="en-US" sz="2400" dirty="0">
@@ -3448,47 +3426,82 @@
         </p:nvSpPr>
         <p:spPr/>
         <p:txBody>
-          <a:bodyPr/>
-          <a:lstStyle/>
-          <a:p>
-            <a:endParaRPr dirty="0"/>
-          </a:p>
-          <a:p>
-            <a:r>
-              <a:rPr dirty="0" err="1"/>
+          <a:bodyPr>
+            <a:normAutofit/>
+          </a:bodyPr>
+          <a:lstStyle/>
+          <a:p>
+            <a:endParaRPr sz="2400" dirty="0">
+              <a:latin typeface="Times New Roman" panose="02020603050405020304" pitchFamily="18" charset="0"/>
+              <a:cs typeface="Times New Roman" panose="02020603050405020304" pitchFamily="18" charset="0"/>
+            </a:endParaRPr>
+          </a:p>
+          <a:p>
+            <a:r>
+              <a:rPr sz="2400" dirty="0" err="1">
+                <a:latin typeface="Times New Roman" panose="02020603050405020304" pitchFamily="18" charset="0"/>
+                <a:cs typeface="Times New Roman" panose="02020603050405020304" pitchFamily="18" charset="0"/>
+              </a:rPr>
               <a:t>doFind</a:t>
             </a:r>
             <a:r>
-              <a:rPr dirty="0"/>
+              <a:rPr sz="2400" dirty="0">
+                <a:latin typeface="Times New Roman" panose="02020603050405020304" pitchFamily="18" charset="0"/>
+                <a:cs typeface="Times New Roman" panose="02020603050405020304" pitchFamily="18" charset="0"/>
+              </a:rPr>
               <a:t> / </a:t>
             </a:r>
             <a:r>
-              <a:rPr dirty="0" err="1"/>
+              <a:rPr sz="2400" dirty="0" err="1">
+                <a:latin typeface="Times New Roman" panose="02020603050405020304" pitchFamily="18" charset="0"/>
+                <a:cs typeface="Times New Roman" panose="02020603050405020304" pitchFamily="18" charset="0"/>
+              </a:rPr>
               <a:t>doFindNext</a:t>
             </a:r>
             <a:r>
-              <a:rPr dirty="0"/>
+              <a:rPr sz="2400" dirty="0">
+                <a:latin typeface="Times New Roman" panose="02020603050405020304" pitchFamily="18" charset="0"/>
+                <a:cs typeface="Times New Roman" panose="02020603050405020304" pitchFamily="18" charset="0"/>
+              </a:rPr>
               <a:t> / </a:t>
             </a:r>
             <a:r>
-              <a:rPr dirty="0" err="1"/>
+              <a:rPr sz="2400" dirty="0" err="1">
+                <a:latin typeface="Times New Roman" panose="02020603050405020304" pitchFamily="18" charset="0"/>
+                <a:cs typeface="Times New Roman" panose="02020603050405020304" pitchFamily="18" charset="0"/>
+              </a:rPr>
               <a:t>doReplace</a:t>
             </a:r>
-            <a:endParaRPr dirty="0"/>
-          </a:p>
-          <a:p>
-            <a:r>
-              <a:rPr dirty="0" err="1"/>
+            <a:endParaRPr sz="2400" dirty="0">
+              <a:latin typeface="Times New Roman" panose="02020603050405020304" pitchFamily="18" charset="0"/>
+              <a:cs typeface="Times New Roman" panose="02020603050405020304" pitchFamily="18" charset="0"/>
+            </a:endParaRPr>
+          </a:p>
+          <a:p>
+            <a:r>
+              <a:rPr sz="2400" dirty="0" err="1">
+                <a:latin typeface="Times New Roman" panose="02020603050405020304" pitchFamily="18" charset="0"/>
+                <a:cs typeface="Times New Roman" panose="02020603050405020304" pitchFamily="18" charset="0"/>
+              </a:rPr>
               <a:t>runFindAll：填充底部查找结果表</a:t>
             </a:r>
-            <a:endParaRPr dirty="0"/>
-          </a:p>
-          <a:p>
-            <a:r>
-              <a:rPr dirty="0" err="1"/>
+            <a:endParaRPr sz="2400" dirty="0">
+              <a:latin typeface="Times New Roman" panose="02020603050405020304" pitchFamily="18" charset="0"/>
+              <a:cs typeface="Times New Roman" panose="02020603050405020304" pitchFamily="18" charset="0"/>
+            </a:endParaRPr>
+          </a:p>
+          <a:p>
+            <a:r>
+              <a:rPr sz="2400" dirty="0" err="1">
+                <a:latin typeface="Times New Roman" panose="02020603050405020304" pitchFamily="18" charset="0"/>
+                <a:cs typeface="Times New Roman" panose="02020603050405020304" pitchFamily="18" charset="0"/>
+              </a:rPr>
               <a:t>onFindResultActivated：双击定位到命中</a:t>
             </a:r>
-            <a:endParaRPr dirty="0"/>
+            <a:endParaRPr sz="2400" dirty="0">
+              <a:latin typeface="Times New Roman" panose="02020603050405020304" pitchFamily="18" charset="0"/>
+              <a:cs typeface="Times New Roman" panose="02020603050405020304" pitchFamily="18" charset="0"/>
+            </a:endParaRPr>
           </a:p>
         </p:txBody>
       </p:sp>
@@ -3664,14 +3677,14 @@
                 <a:latin typeface="Times New Roman" panose="02020603050405020304" pitchFamily="18" charset="0"/>
                 <a:cs typeface="Times New Roman" panose="02020603050405020304" pitchFamily="18" charset="0"/>
               </a:rPr>
-              <a:t>文件→打开</a:t>
-            </a:r>
-            <a:r>
-              <a:rPr sz="2400" dirty="0">
-                <a:latin typeface="Times New Roman" panose="02020603050405020304" pitchFamily="18" charset="0"/>
-                <a:cs typeface="Times New Roman" panose="02020603050405020304" pitchFamily="18" charset="0"/>
-              </a:rPr>
-              <a:t> .exp → </a:t>
+              <a:t>文件</a:t>
+            </a:r>
+            <a:r>
+              <a:rPr sz="2400" dirty="0">
+                <a:latin typeface="Times New Roman" panose="02020603050405020304" pitchFamily="18" charset="0"/>
+                <a:cs typeface="Times New Roman" panose="02020603050405020304" pitchFamily="18" charset="0"/>
+              </a:rPr>
+              <a:t>→ </a:t>
             </a:r>
             <a:r>
               <a:rPr sz="2400" dirty="0" err="1">
@@ -3754,6 +3767,9 @@
           </a:bodyPr>
           <a:lstStyle/>
           <a:p>
+            <a:pPr marL="0" indent="0">
+              <a:buNone/>
+            </a:pPr>
             <a:r>
               <a:rPr sz="2400" dirty="0" err="1">
                 <a:latin typeface="Times New Roman" panose="02020603050405020304" pitchFamily="18" charset="0"/>
@@ -3770,6 +3786,9 @@
             </a:r>
           </a:p>
           <a:p>
+            <a:pPr marL="0" indent="0">
+              <a:buNone/>
+            </a:pPr>
             <a:r>
               <a:rPr sz="2400" dirty="0">
                 <a:latin typeface="Times New Roman" panose="02020603050405020304" pitchFamily="18" charset="0"/>
@@ -3807,6 +3826,9 @@
             </a:r>
           </a:p>
           <a:p>
+            <a:pPr marL="0" indent="0">
+              <a:buNone/>
+            </a:pPr>
             <a:r>
               <a:rPr sz="2400" dirty="0">
                 <a:latin typeface="Times New Roman" panose="02020603050405020304" pitchFamily="18" charset="0"/>
@@ -3827,6 +3849,9 @@
             </a:endParaRPr>
           </a:p>
           <a:p>
+            <a:pPr marL="0" indent="0">
+              <a:buNone/>
+            </a:pPr>
             <a:r>
               <a:rPr sz="2400" dirty="0">
                 <a:latin typeface="Times New Roman" panose="02020603050405020304" pitchFamily="18" charset="0"/>
@@ -3847,19 +3872,55 @@
             </a:endParaRPr>
           </a:p>
           <a:p>
-            <a:r>
-              <a:rPr sz="2400" dirty="0">
-                <a:latin typeface="Times New Roman" panose="02020603050405020304" pitchFamily="18" charset="0"/>
-                <a:cs typeface="Times New Roman" panose="02020603050405020304" pitchFamily="18" charset="0"/>
-              </a:rPr>
-              <a:t>• EOF </a:t>
-            </a:r>
-            <a:r>
-              <a:rPr sz="2400" dirty="0" err="1">
-                <a:latin typeface="Times New Roman" panose="02020603050405020304" pitchFamily="18" charset="0"/>
-                <a:cs typeface="Times New Roman" panose="02020603050405020304" pitchFamily="18" charset="0"/>
-              </a:rPr>
-              <a:t>宽松处理</a:t>
+            <a:pPr marL="0" indent="0">
+              <a:buNone/>
+            </a:pPr>
+            <a:r>
+              <a:rPr sz="2400" dirty="0" err="1">
+                <a:latin typeface="Times New Roman" panose="02020603050405020304" pitchFamily="18" charset="0"/>
+                <a:cs typeface="Times New Roman" panose="02020603050405020304" pitchFamily="18" charset="0"/>
+              </a:rPr>
+              <a:t>GfcParser</a:t>
+            </a:r>
+            <a:r>
+              <a:rPr sz="2400" dirty="0">
+                <a:latin typeface="Times New Roman" panose="02020603050405020304" pitchFamily="18" charset="0"/>
+                <a:cs typeface="Times New Roman" panose="02020603050405020304" pitchFamily="18" charset="0"/>
+              </a:rPr>
+              <a:t>:</a:t>
+            </a:r>
+          </a:p>
+          <a:p>
+            <a:pPr marL="0" indent="0">
+              <a:buNone/>
+            </a:pPr>
+            <a:r>
+              <a:rPr sz="2400" dirty="0">
+                <a:latin typeface="Times New Roman" panose="02020603050405020304" pitchFamily="18" charset="0"/>
+                <a:cs typeface="Times New Roman" panose="02020603050405020304" pitchFamily="18" charset="0"/>
+              </a:rPr>
+              <a:t>• </a:t>
+            </a:r>
+            <a:r>
+              <a:rPr sz="2400" dirty="0" err="1">
+                <a:latin typeface="Times New Roman" panose="02020603050405020304" pitchFamily="18" charset="0"/>
+                <a:cs typeface="Times New Roman" panose="02020603050405020304" pitchFamily="18" charset="0"/>
+              </a:rPr>
+              <a:t>解析</a:t>
+            </a:r>
+            <a:r>
+              <a:rPr sz="2400" dirty="0">
+                <a:latin typeface="Times New Roman" panose="02020603050405020304" pitchFamily="18" charset="0"/>
+                <a:cs typeface="Times New Roman" panose="02020603050405020304" pitchFamily="18" charset="0"/>
+              </a:rPr>
+              <a:t> GFC </a:t>
+            </a:r>
+            <a:r>
+              <a:rPr sz="2400" dirty="0" err="1">
+                <a:latin typeface="Times New Roman" panose="02020603050405020304" pitchFamily="18" charset="0"/>
+                <a:cs typeface="Times New Roman" panose="02020603050405020304" pitchFamily="18" charset="0"/>
+              </a:rPr>
+              <a:t>实例编号与类名</a:t>
             </a:r>
             <a:endParaRPr sz="2400" dirty="0">
               <a:latin typeface="Times New Roman" panose="02020603050405020304" pitchFamily="18" charset="0"/>
@@ -3867,22 +3928,9 @@
             </a:endParaRPr>
           </a:p>
           <a:p>
-            <a:r>
-              <a:rPr sz="2400" dirty="0" err="1">
-                <a:latin typeface="Times New Roman" panose="02020603050405020304" pitchFamily="18" charset="0"/>
-                <a:cs typeface="Times New Roman" panose="02020603050405020304" pitchFamily="18" charset="0"/>
-              </a:rPr>
-              <a:t>GfcParser</a:t>
-            </a:r>
-            <a:r>
-              <a:rPr sz="2400" dirty="0">
-                <a:latin typeface="Times New Roman" panose="02020603050405020304" pitchFamily="18" charset="0"/>
-                <a:cs typeface="Times New Roman" panose="02020603050405020304" pitchFamily="18" charset="0"/>
-              </a:rPr>
-              <a:t>:</a:t>
-            </a:r>
-          </a:p>
-          <a:p>
+            <a:pPr marL="0" indent="0">
+              <a:buNone/>
+            </a:pPr>
             <a:r>
               <a:rPr sz="2400" dirty="0">
                 <a:latin typeface="Times New Roman" panose="02020603050405020304" pitchFamily="18" charset="0"/>
@@ -3895,21 +3943,7 @@
                 <a:latin typeface="Times New Roman" panose="02020603050405020304" pitchFamily="18" charset="0"/>
                 <a:cs typeface="Times New Roman" panose="02020603050405020304" pitchFamily="18" charset="0"/>
               </a:rPr>
-              <a:t>解析</a:t>
-            </a:r>
-            <a:r>
-              <a:rPr sz="2400" dirty="0">
-                <a:latin typeface="Times New Roman" panose="02020603050405020304" pitchFamily="18" charset="0"/>
-                <a:cs typeface="Times New Roman" panose="02020603050405020304" pitchFamily="18" charset="0"/>
-              </a:rPr>
-              <a:t> GFC </a:t>
-            </a:r>
-            <a:r>
-              <a:rPr sz="2400" dirty="0" err="1">
-                <a:latin typeface="Times New Roman" panose="02020603050405020304" pitchFamily="18" charset="0"/>
-                <a:cs typeface="Times New Roman" panose="02020603050405020304" pitchFamily="18" charset="0"/>
-              </a:rPr>
-              <a:t>实例编号与类名</a:t>
+              <a:t>支持跨行与空白处理</a:t>
             </a:r>
             <a:endParaRPr sz="2400" dirty="0">
               <a:latin typeface="Times New Roman" panose="02020603050405020304" pitchFamily="18" charset="0"/>
@@ -3917,6 +3951,9 @@
             </a:endParaRPr>
           </a:p>
           <a:p>
+            <a:pPr marL="0" indent="0">
+              <a:buNone/>
+            </a:pPr>
             <a:r>
               <a:rPr sz="2400" dirty="0">
                 <a:latin typeface="Times New Roman" panose="02020603050405020304" pitchFamily="18" charset="0"/>
@@ -3929,41 +3966,21 @@
                 <a:latin typeface="Times New Roman" panose="02020603050405020304" pitchFamily="18" charset="0"/>
                 <a:cs typeface="Times New Roman" panose="02020603050405020304" pitchFamily="18" charset="0"/>
               </a:rPr>
-              <a:t>支持跨行与空白处理</a:t>
+              <a:t>无效行过滤与实例计数</a:t>
             </a:r>
             <a:endParaRPr sz="2400" dirty="0">
               <a:latin typeface="Times New Roman" panose="02020603050405020304" pitchFamily="18" charset="0"/>
               <a:cs typeface="Times New Roman" panose="02020603050405020304" pitchFamily="18" charset="0"/>
             </a:endParaRPr>
           </a:p>
-          <a:p>
-            <a:r>
-              <a:rPr sz="2400" dirty="0">
-                <a:latin typeface="Times New Roman" panose="02020603050405020304" pitchFamily="18" charset="0"/>
-                <a:cs typeface="Times New Roman" panose="02020603050405020304" pitchFamily="18" charset="0"/>
-              </a:rPr>
-              <a:t>• </a:t>
-            </a:r>
-            <a:r>
-              <a:rPr sz="2400" dirty="0" err="1">
-                <a:latin typeface="Times New Roman" panose="02020603050405020304" pitchFamily="18" charset="0"/>
-                <a:cs typeface="Times New Roman" panose="02020603050405020304" pitchFamily="18" charset="0"/>
-              </a:rPr>
-              <a:t>无效行过滤与实例计数</a:t>
-            </a:r>
-            <a:endParaRPr sz="2400" dirty="0">
-              <a:latin typeface="Times New Roman" panose="02020603050405020304" pitchFamily="18" charset="0"/>
-              <a:cs typeface="Times New Roman" panose="02020603050405020304" pitchFamily="18" charset="0"/>
-            </a:endParaRPr>
-          </a:p>
-        </p:txBody>
-      </p:sp>
-      <p:sp>
-        <p:nvSpPr>
-          <p:cNvPr id="6" name="Title 1">
+        </p:txBody>
+      </p:sp>
+      <p:sp>
+        <p:nvSpPr>
+          <p:cNvPr id="10" name="Title 1">
             <a:extLst>
               <a:ext uri="{FF2B5EF4-FFF2-40B4-BE49-F238E27FC236}">
-                <a16:creationId xmlns:a16="http://schemas.microsoft.com/office/drawing/2014/main" id="{4332FD06-0C8F-D23C-7CA3-F931BF0EA4CF}"/>
+                <a16:creationId xmlns:a16="http://schemas.microsoft.com/office/drawing/2014/main" id="{60CA1A32-7AB3-7864-24F0-1182852845E1}"/>
               </a:ext>
             </a:extLst>
           </p:cNvPr>
@@ -3976,8 +3993,8 @@
         </p:nvSpPr>
         <p:spPr>
           <a:xfrm>
-            <a:off x="963592" y="363748"/>
-            <a:ext cx="7216815" cy="736178"/>
+            <a:off x="457200" y="274638"/>
+            <a:ext cx="8229600" cy="1143000"/>
           </a:xfrm>
         </p:spPr>
         <p:txBody>
@@ -3987,22 +4004,10 @@
           <a:lstStyle/>
           <a:p>
             <a:r>
-              <a:rPr sz="2800" dirty="0" err="1">
-                <a:latin typeface="+mj-ea"/>
-              </a:rPr>
-              <a:t>核心</a:t>
-            </a:r>
-            <a:r>
               <a:rPr lang="zh-CN" altLang="en-US" sz="2800" dirty="0">
                 <a:latin typeface="+mj-ea"/>
               </a:rPr>
-              <a:t>测试</a:t>
-            </a:r>
-            <a:r>
-              <a:rPr sz="2800" dirty="0" err="1">
-                <a:latin typeface="+mj-ea"/>
-              </a:rPr>
-              <a:t>功能</a:t>
+              <a:t>核心测试功能</a:t>
             </a:r>
             <a:endParaRPr sz="2800" dirty="0">
               <a:latin typeface="+mj-ea"/>
@@ -4375,7 +4380,7 @@
               <a:rPr sz="2800" dirty="0" err="1">
                 <a:latin typeface="+mj-ea"/>
               </a:rPr>
-              <a:t>主要测试用例讲解</a:t>
+              <a:t>主要测试用例</a:t>
             </a:r>
             <a:endParaRPr sz="2800" dirty="0">
               <a:latin typeface="+mj-ea"/>
@@ -4411,6 +4416,9 @@
           </a:bodyPr>
           <a:lstStyle/>
           <a:p>
+            <a:pPr marL="0" indent="0">
+              <a:buNone/>
+            </a:pPr>
             <a:r>
               <a:rPr sz="2400" dirty="0" err="1">
                 <a:latin typeface="Times New Roman" panose="02020603050405020304" pitchFamily="18" charset="0"/>
@@ -4438,6 +4446,9 @@
             </a:endParaRPr>
           </a:p>
           <a:p>
+            <a:pPr marL="0" indent="0">
+              <a:buNone/>
+            </a:pPr>
             <a:r>
               <a:rPr sz="2400" dirty="0">
                 <a:latin typeface="Times New Roman" panose="02020603050405020304" pitchFamily="18" charset="0"/>
@@ -4458,6 +4469,9 @@
             </a:endParaRPr>
           </a:p>
           <a:p>
+            <a:pPr marL="0" indent="0">
+              <a:buNone/>
+            </a:pPr>
             <a:r>
               <a:rPr sz="2400" dirty="0">
                 <a:latin typeface="Times New Roman" panose="02020603050405020304" pitchFamily="18" charset="0"/>
@@ -4478,6 +4492,9 @@
             </a:endParaRPr>
           </a:p>
           <a:p>
+            <a:pPr marL="0" indent="0">
+              <a:buNone/>
+            </a:pPr>
             <a:r>
               <a:rPr sz="2400" dirty="0" err="1">
                 <a:latin typeface="Times New Roman" panose="02020603050405020304" pitchFamily="18" charset="0"/>
@@ -4505,6 +4522,9 @@
             </a:endParaRPr>
           </a:p>
           <a:p>
+            <a:pPr marL="0" indent="0">
+              <a:buNone/>
+            </a:pPr>
             <a:r>
               <a:rPr sz="2400" dirty="0">
                 <a:latin typeface="Times New Roman" panose="02020603050405020304" pitchFamily="18" charset="0"/>
@@ -4525,6 +4545,9 @@
             </a:endParaRPr>
           </a:p>
           <a:p>
+            <a:pPr marL="0" indent="0">
+              <a:buNone/>
+            </a:pPr>
             <a:r>
               <a:rPr sz="2400" dirty="0" err="1">
                 <a:latin typeface="Times New Roman" panose="02020603050405020304" pitchFamily="18" charset="0"/>
@@ -4552,6 +4575,9 @@
             </a:endParaRPr>
           </a:p>
           <a:p>
+            <a:pPr marL="0" indent="0">
+              <a:buNone/>
+            </a:pPr>
             <a:r>
               <a:rPr sz="2400" dirty="0">
                 <a:latin typeface="Times New Roman" panose="02020603050405020304" pitchFamily="18" charset="0"/>
@@ -4572,6 +4598,9 @@
             </a:endParaRPr>
           </a:p>
           <a:p>
+            <a:pPr marL="0" indent="0">
+              <a:buNone/>
+            </a:pPr>
             <a:r>
               <a:rPr sz="2400" dirty="0" err="1">
                 <a:latin typeface="Times New Roman" panose="02020603050405020304" pitchFamily="18" charset="0"/>
@@ -4599,6 +4628,9 @@
             </a:endParaRPr>
           </a:p>
           <a:p>
+            <a:pPr marL="0" indent="0">
+              <a:buNone/>
+            </a:pPr>
             <a:r>
               <a:rPr sz="2400" dirty="0">
                 <a:latin typeface="Times New Roman" panose="02020603050405020304" pitchFamily="18" charset="0"/>
@@ -4719,10 +4751,52 @@
       </p:grpSpPr>
       <p:sp>
         <p:nvSpPr>
-          <p:cNvPr id="4" name="文本框 3">
+          <p:cNvPr id="2" name="Title 1">
             <a:extLst>
               <a:ext uri="{FF2B5EF4-FFF2-40B4-BE49-F238E27FC236}">
-                <a16:creationId xmlns:a16="http://schemas.microsoft.com/office/drawing/2014/main" id="{EE13BDE0-5172-D3BE-1D44-FF26C38E2608}"/>
+                <a16:creationId xmlns:a16="http://schemas.microsoft.com/office/drawing/2014/main" id="{347E78CC-16C2-8311-E1F4-E1165C9B9B33}"/>
+              </a:ext>
+            </a:extLst>
+          </p:cNvPr>
+          <p:cNvSpPr>
+            <a:spLocks noGrp="1"/>
+          </p:cNvSpPr>
+          <p:nvPr>
+            <p:ph type="title"/>
+          </p:nvPr>
+        </p:nvSpPr>
+        <p:spPr>
+          <a:xfrm>
+            <a:off x="457200" y="274638"/>
+            <a:ext cx="8229600" cy="1143000"/>
+          </a:xfrm>
+        </p:spPr>
+        <p:txBody>
+          <a:bodyPr>
+            <a:normAutofit/>
+          </a:bodyPr>
+          <a:lstStyle/>
+          <a:p>
+            <a:r>
+              <a:rPr lang="zh-CN" altLang="en-US" sz="2800" dirty="0">
+                <a:latin typeface="+mn-ea"/>
+                <a:ea typeface="+mn-ea"/>
+              </a:rPr>
+              <a:t>小组分工</a:t>
+            </a:r>
+            <a:endParaRPr sz="2800" dirty="0">
+              <a:latin typeface="+mn-ea"/>
+              <a:ea typeface="+mn-ea"/>
+            </a:endParaRPr>
+          </a:p>
+        </p:txBody>
+      </p:sp>
+      <p:sp>
+        <p:nvSpPr>
+          <p:cNvPr id="3" name="文本框 2">
+            <a:extLst>
+              <a:ext uri="{FF2B5EF4-FFF2-40B4-BE49-F238E27FC236}">
+                <a16:creationId xmlns:a16="http://schemas.microsoft.com/office/drawing/2014/main" id="{668EC5AF-B634-F847-526F-A2796C359E9F}"/>
               </a:ext>
             </a:extLst>
           </p:cNvPr>
@@ -4731,8 +4805,8 @@
         </p:nvSpPr>
         <p:spPr>
           <a:xfrm>
-            <a:off x="857956" y="914400"/>
-            <a:ext cx="7642577" cy="369332"/>
+            <a:off x="685800" y="1776507"/>
+            <a:ext cx="7772400" cy="2795958"/>
           </a:xfrm>
           <a:prstGeom prst="rect">
             <a:avLst/>
@@ -4745,10 +4819,94 @@
           </a:bodyPr>
           <a:lstStyle/>
           <a:p>
-            <a:r>
-              <a:rPr lang="zh-CN" altLang="en-US" dirty="0"/>
-              <a:t>小组分工</a:t>
-            </a:r>
+            <a:pPr>
+              <a:lnSpc>
+                <a:spcPct val="150000"/>
+              </a:lnSpc>
+            </a:pPr>
+            <a:r>
+              <a:rPr lang="zh-CN" altLang="en-US" sz="2400" dirty="0">
+                <a:latin typeface="Times New Roman" panose="02020603050405020304" pitchFamily="18" charset="0"/>
+                <a:cs typeface="Times New Roman" panose="02020603050405020304" pitchFamily="18" charset="0"/>
+              </a:rPr>
+              <a:t>谢明靓（组长）：实现主体框架</a:t>
+            </a:r>
+            <a:endParaRPr lang="en-US" altLang="zh-CN" sz="2400" dirty="0">
+              <a:latin typeface="Times New Roman" panose="02020603050405020304" pitchFamily="18" charset="0"/>
+              <a:cs typeface="Times New Roman" panose="02020603050405020304" pitchFamily="18" charset="0"/>
+            </a:endParaRPr>
+          </a:p>
+          <a:p>
+            <a:pPr>
+              <a:lnSpc>
+                <a:spcPct val="150000"/>
+              </a:lnSpc>
+            </a:pPr>
+            <a:r>
+              <a:rPr lang="zh-CN" altLang="en-US" sz="2400" dirty="0">
+                <a:latin typeface="Times New Roman" panose="02020603050405020304" pitchFamily="18" charset="0"/>
+                <a:cs typeface="Times New Roman" panose="02020603050405020304" pitchFamily="18" charset="0"/>
+              </a:rPr>
+              <a:t>段少彪：协助主体框架实现，完成解析器测试</a:t>
+            </a:r>
+            <a:endParaRPr lang="en-US" altLang="zh-CN" sz="2400" dirty="0">
+              <a:latin typeface="Times New Roman" panose="02020603050405020304" pitchFamily="18" charset="0"/>
+              <a:cs typeface="Times New Roman" panose="02020603050405020304" pitchFamily="18" charset="0"/>
+            </a:endParaRPr>
+          </a:p>
+          <a:p>
+            <a:pPr>
+              <a:lnSpc>
+                <a:spcPct val="150000"/>
+              </a:lnSpc>
+            </a:pPr>
+            <a:r>
+              <a:rPr lang="zh-CN" altLang="en-US" sz="2400" dirty="0">
+                <a:latin typeface="Times New Roman" panose="02020603050405020304" pitchFamily="18" charset="0"/>
+                <a:cs typeface="Times New Roman" panose="02020603050405020304" pitchFamily="18" charset="0"/>
+              </a:rPr>
+              <a:t>卢文轩：属性区显示功能，增加打开最近文件功能</a:t>
+            </a:r>
+            <a:endParaRPr lang="en-US" altLang="zh-CN" sz="2400" dirty="0">
+              <a:latin typeface="Times New Roman" panose="02020603050405020304" pitchFamily="18" charset="0"/>
+              <a:cs typeface="Times New Roman" panose="02020603050405020304" pitchFamily="18" charset="0"/>
+            </a:endParaRPr>
+          </a:p>
+          <a:p>
+            <a:pPr>
+              <a:lnSpc>
+                <a:spcPct val="150000"/>
+              </a:lnSpc>
+            </a:pPr>
+            <a:r>
+              <a:rPr lang="zh-CN" altLang="en-US" sz="2400" dirty="0">
+                <a:latin typeface="Times New Roman" panose="02020603050405020304" pitchFamily="18" charset="0"/>
+                <a:cs typeface="Times New Roman" panose="02020603050405020304" pitchFamily="18" charset="0"/>
+              </a:rPr>
+              <a:t>初晓：增加编辑时更新视图功能，</a:t>
+            </a:r>
+            <a:endParaRPr lang="en-US" altLang="zh-CN" sz="2400" dirty="0">
+              <a:latin typeface="Times New Roman" panose="02020603050405020304" pitchFamily="18" charset="0"/>
+              <a:cs typeface="Times New Roman" panose="02020603050405020304" pitchFamily="18" charset="0"/>
+            </a:endParaRPr>
+          </a:p>
+          <a:p>
+            <a:pPr>
+              <a:lnSpc>
+                <a:spcPct val="150000"/>
+              </a:lnSpc>
+            </a:pPr>
+            <a:r>
+              <a:rPr lang="en-US" altLang="zh-CN" sz="2400" dirty="0">
+                <a:latin typeface="Times New Roman" panose="02020603050405020304" pitchFamily="18" charset="0"/>
+                <a:cs typeface="Times New Roman" panose="02020603050405020304" pitchFamily="18" charset="0"/>
+              </a:rPr>
+              <a:t>		     </a:t>
+            </a:r>
+            <a:endParaRPr lang="zh-CN" altLang="en-US" sz="2400" dirty="0">
+              <a:latin typeface="Times New Roman" panose="02020603050405020304" pitchFamily="18" charset="0"/>
+              <a:cs typeface="Times New Roman" panose="02020603050405020304" pitchFamily="18" charset="0"/>
+            </a:endParaRPr>
           </a:p>
         </p:txBody>
       </p:sp>

--- a/TOT2025_presentation.pptx
+++ b/TOT2025_presentation.pptx
@@ -19,7 +19,8 @@
     <p:sldId id="270" r:id="rId13"/>
     <p:sldId id="271" r:id="rId14"/>
     <p:sldId id="272" r:id="rId15"/>
-    <p:sldId id="269" r:id="rId16"/>
+    <p:sldId id="274" r:id="rId16"/>
+    <p:sldId id="269" r:id="rId17"/>
   </p:sldIdLst>
   <p:sldSz cx="9144000" cy="6858000" type="screen4x3"/>
   <p:notesSz cx="6858000" cy="9144000"/>
@@ -4682,6 +4683,66 @@
           <a:chExt cx="0" cy="0"/>
         </a:xfrm>
       </p:grpSpPr>
+      <p:pic>
+        <p:nvPicPr>
+          <p:cNvPr id="4" name="图片 3">
+            <a:extLst>
+              <a:ext uri="{FF2B5EF4-FFF2-40B4-BE49-F238E27FC236}">
+                <a16:creationId xmlns:a16="http://schemas.microsoft.com/office/drawing/2014/main" id="{5C49A649-2334-3F83-732F-C34C62E614D4}"/>
+              </a:ext>
+            </a:extLst>
+          </p:cNvPr>
+          <p:cNvPicPr>
+            <a:picLocks noChangeAspect="1"/>
+          </p:cNvPicPr>
+          <p:nvPr/>
+        </p:nvPicPr>
+        <p:blipFill>
+          <a:blip r:embed="rId2"/>
+          <a:stretch>
+            <a:fillRect/>
+          </a:stretch>
+        </p:blipFill>
+        <p:spPr>
+          <a:xfrm>
+            <a:off x="208435" y="981207"/>
+            <a:ext cx="8727129" cy="4194106"/>
+          </a:xfrm>
+          <a:prstGeom prst="rect">
+            <a:avLst/>
+          </a:prstGeom>
+        </p:spPr>
+      </p:pic>
+    </p:spTree>
+    <p:extLst>
+      <p:ext uri="{BB962C8B-B14F-4D97-AF65-F5344CB8AC3E}">
+        <p14:creationId xmlns:p14="http://schemas.microsoft.com/office/powerpoint/2010/main" val="2716566834"/>
+      </p:ext>
+    </p:extLst>
+  </p:cSld>
+  <p:clrMapOvr>
+    <a:masterClrMapping/>
+  </p:clrMapOvr>
+</p:sld>
+</file>
+
+<file path=ppt/slides/slide16.xml><?xml version="1.0" encoding="utf-8"?>
+<p:sld xmlns:a="http://schemas.openxmlformats.org/drawingml/2006/main" xmlns:r="http://schemas.openxmlformats.org/officeDocument/2006/relationships" xmlns:p="http://schemas.openxmlformats.org/presentationml/2006/main">
+  <p:cSld>
+    <p:spTree>
+      <p:nvGrpSpPr>
+        <p:cNvPr id="1" name=""/>
+        <p:cNvGrpSpPr/>
+        <p:nvPr/>
+      </p:nvGrpSpPr>
+      <p:grpSpPr>
+        <a:xfrm>
+          <a:off x="0" y="0"/>
+          <a:ext cx="0" cy="0"/>
+          <a:chOff x="0" y="0"/>
+          <a:chExt cx="0" cy="0"/>
+        </a:xfrm>
+      </p:grpSpPr>
       <p:sp>
         <p:nvSpPr>
           <p:cNvPr id="2" name="Title 1"/>
@@ -4883,7 +4944,7 @@
                 <a:latin typeface="Times New Roman" panose="02020603050405020304" pitchFamily="18" charset="0"/>
                 <a:cs typeface="Times New Roman" panose="02020603050405020304" pitchFamily="18" charset="0"/>
               </a:rPr>
-              <a:t>初晓：增加编辑时更新视图功能，</a:t>
+              <a:t>初晓：增加编辑时更新视图功能</a:t>
             </a:r>
             <a:endParaRPr lang="en-US" altLang="zh-CN" sz="2400" dirty="0">
               <a:latin typeface="Times New Roman" panose="02020603050405020304" pitchFamily="18" charset="0"/>

--- a/TOT2025_presentation.pptx
+++ b/TOT2025_presentation.pptx
@@ -3117,7 +3117,7 @@
         </p:nvSpPr>
         <p:spPr>
           <a:xfrm>
-            <a:off x="841248" y="686657"/>
+            <a:off x="685800" y="696658"/>
             <a:ext cx="7772400" cy="1470025"/>
           </a:xfrm>
         </p:spPr>
@@ -3180,16 +3180,18 @@
         </p:nvSpPr>
         <p:spPr>
           <a:xfrm>
-            <a:off x="1453896" y="2704020"/>
-            <a:ext cx="6400800" cy="1752600"/>
+            <a:off x="1252728" y="2693987"/>
+            <a:ext cx="6501384" cy="1470025"/>
           </a:xfrm>
         </p:spPr>
         <p:txBody>
-          <a:bodyPr/>
-          <a:lstStyle/>
-          <a:p>
-            <a:r>
-              <a:rPr dirty="0">
+          <a:bodyPr>
+            <a:normAutofit/>
+          </a:bodyPr>
+          <a:lstStyle/>
+          <a:p>
+            <a:r>
+              <a:rPr sz="2800" dirty="0">
                 <a:latin typeface="Times New Roman" panose="02020603050405020304" pitchFamily="18" charset="0"/>
                 <a:ea typeface="+mj-ea"/>
                 <a:cs typeface="Times New Roman" panose="02020603050405020304" pitchFamily="18" charset="0"/>
@@ -3197,7 +3199,7 @@
               <a:t>EXP Schema </a:t>
             </a:r>
             <a:r>
-              <a:rPr dirty="0" err="1">
+              <a:rPr sz="2800" dirty="0" err="1">
                 <a:latin typeface="Times New Roman" panose="02020603050405020304" pitchFamily="18" charset="0"/>
                 <a:ea typeface="+mj-ea"/>
                 <a:cs typeface="Times New Roman" panose="02020603050405020304" pitchFamily="18" charset="0"/>
@@ -3205,7 +3207,7 @@
               <a:t>解析</a:t>
             </a:r>
             <a:r>
-              <a:rPr dirty="0">
+              <a:rPr sz="2800" dirty="0">
                 <a:latin typeface="Times New Roman" panose="02020603050405020304" pitchFamily="18" charset="0"/>
                 <a:ea typeface="+mj-ea"/>
                 <a:cs typeface="Times New Roman" panose="02020603050405020304" pitchFamily="18" charset="0"/>
@@ -3213,7 +3215,7 @@
               <a:t> · GFC </a:t>
             </a:r>
             <a:r>
-              <a:rPr dirty="0" err="1">
+              <a:rPr sz="2800" dirty="0" err="1">
                 <a:latin typeface="Times New Roman" panose="02020603050405020304" pitchFamily="18" charset="0"/>
                 <a:ea typeface="+mj-ea"/>
                 <a:cs typeface="Times New Roman" panose="02020603050405020304" pitchFamily="18" charset="0"/>
@@ -3221,12 +3223,27 @@
               <a:t>文本联动</a:t>
             </a:r>
             <a:r>
-              <a:rPr dirty="0">
+              <a:rPr sz="2800" dirty="0">
                 <a:latin typeface="Times New Roman" panose="02020603050405020304" pitchFamily="18" charset="0"/>
                 <a:ea typeface="+mj-ea"/>
                 <a:cs typeface="Times New Roman" panose="02020603050405020304" pitchFamily="18" charset="0"/>
               </a:rPr>
-              <a:t> · Qt Widgets</a:t>
+              <a:t> </a:t>
+            </a:r>
+            <a:endParaRPr lang="en-US" sz="2800" dirty="0">
+              <a:latin typeface="Times New Roman" panose="02020603050405020304" pitchFamily="18" charset="0"/>
+              <a:ea typeface="+mj-ea"/>
+              <a:cs typeface="Times New Roman" panose="02020603050405020304" pitchFamily="18" charset="0"/>
+            </a:endParaRPr>
+          </a:p>
+          <a:p>
+            <a:r>
+              <a:rPr sz="2800" dirty="0">
+                <a:latin typeface="Times New Roman" panose="02020603050405020304" pitchFamily="18" charset="0"/>
+                <a:ea typeface="+mj-ea"/>
+                <a:cs typeface="Times New Roman" panose="02020603050405020304" pitchFamily="18" charset="0"/>
+              </a:rPr>
+              <a:t>· Qt Widgets</a:t>
             </a:r>
           </a:p>
         </p:txBody>
@@ -3246,7 +3263,7 @@
         <p:spPr>
           <a:xfrm>
             <a:off x="1645920" y="4483380"/>
-            <a:ext cx="7772400" cy="1687963"/>
+            <a:ext cx="6227064" cy="1687963"/>
           </a:xfrm>
           <a:prstGeom prst="rect">
             <a:avLst/>
@@ -4213,29 +4230,6 @@
                 <a:latin typeface="Times New Roman" panose="02020603050405020304" pitchFamily="18" charset="0"/>
                 <a:cs typeface="Times New Roman" panose="02020603050405020304" pitchFamily="18" charset="0"/>
               </a:rPr>
-              <a:t>属性裁剪功能</a:t>
-            </a:r>
-            <a:endParaRPr sz="2400" dirty="0">
-              <a:latin typeface="Times New Roman" panose="02020603050405020304" pitchFamily="18" charset="0"/>
-              <a:cs typeface="Times New Roman" panose="02020603050405020304" pitchFamily="18" charset="0"/>
-            </a:endParaRPr>
-          </a:p>
-          <a:p>
-            <a:pPr marL="0" indent="0">
-              <a:buNone/>
-            </a:pPr>
-            <a:r>
-              <a:rPr sz="2400" dirty="0">
-                <a:latin typeface="Times New Roman" panose="02020603050405020304" pitchFamily="18" charset="0"/>
-                <a:cs typeface="Times New Roman" panose="02020603050405020304" pitchFamily="18" charset="0"/>
-              </a:rPr>
-              <a:t>• </a:t>
-            </a:r>
-            <a:r>
-              <a:rPr sz="2400" dirty="0" err="1">
-                <a:latin typeface="Times New Roman" panose="02020603050405020304" pitchFamily="18" charset="0"/>
-                <a:cs typeface="Times New Roman" panose="02020603050405020304" pitchFamily="18" charset="0"/>
-              </a:rPr>
               <a:t>GfcParser</a:t>
             </a:r>
             <a:r>
@@ -4474,18 +4468,44 @@
               <a:buNone/>
             </a:pPr>
             <a:r>
-              <a:rPr sz="2400" dirty="0">
+              <a:rPr lang="en-US" altLang="zh-CN" sz="2400" dirty="0">
                 <a:latin typeface="Times New Roman" panose="02020603050405020304" pitchFamily="18" charset="0"/>
                 <a:cs typeface="Times New Roman" panose="02020603050405020304" pitchFamily="18" charset="0"/>
               </a:rPr>
               <a:t>• </a:t>
             </a:r>
             <a:r>
-              <a:rPr sz="2400" dirty="0" err="1">
+              <a:rPr lang="zh-CN" altLang="en-US" sz="2400" dirty="0">
                 <a:latin typeface="Times New Roman" panose="02020603050405020304" pitchFamily="18" charset="0"/>
                 <a:cs typeface="Times New Roman" panose="02020603050405020304" pitchFamily="18" charset="0"/>
               </a:rPr>
               <a:t>检查属性末尾分号与空格是否被正确裁剪</a:t>
+            </a:r>
+          </a:p>
+          <a:p>
+            <a:pPr marL="0" indent="0">
+              <a:buNone/>
+            </a:pPr>
+            <a:r>
+              <a:rPr sz="2400" dirty="0" err="1">
+                <a:latin typeface="Times New Roman" panose="02020603050405020304" pitchFamily="18" charset="0"/>
+                <a:cs typeface="Times New Roman" panose="02020603050405020304" pitchFamily="18" charset="0"/>
+              </a:rPr>
+              <a:t>GfcParser</a:t>
+            </a:r>
+            <a:r>
+              <a:rPr sz="2400" dirty="0">
+                <a:latin typeface="Times New Roman" panose="02020603050405020304" pitchFamily="18" charset="0"/>
+                <a:cs typeface="Times New Roman" panose="02020603050405020304" pitchFamily="18" charset="0"/>
+              </a:rPr>
+              <a:t>::</a:t>
+            </a:r>
+            <a:r>
+              <a:rPr sz="2400" dirty="0" err="1">
+                <a:latin typeface="Times New Roman" panose="02020603050405020304" pitchFamily="18" charset="0"/>
+                <a:cs typeface="Times New Roman" panose="02020603050405020304" pitchFamily="18" charset="0"/>
+              </a:rPr>
+              <a:t>CountAndRefsBasic</a:t>
             </a:r>
             <a:endParaRPr sz="2400" dirty="0">
               <a:latin typeface="Times New Roman" panose="02020603050405020304" pitchFamily="18" charset="0"/>
@@ -4497,25 +4517,18 @@
               <a:buNone/>
             </a:pPr>
             <a:r>
-              <a:rPr sz="2400" dirty="0" err="1">
-                <a:latin typeface="Times New Roman" panose="02020603050405020304" pitchFamily="18" charset="0"/>
-                <a:cs typeface="Times New Roman" panose="02020603050405020304" pitchFamily="18" charset="0"/>
-              </a:rPr>
-              <a:t>GfcParser</a:t>
-            </a:r>
-            <a:r>
-              <a:rPr sz="2400" dirty="0">
-                <a:latin typeface="Times New Roman" panose="02020603050405020304" pitchFamily="18" charset="0"/>
-                <a:cs typeface="Times New Roman" panose="02020603050405020304" pitchFamily="18" charset="0"/>
-              </a:rPr>
-              <a:t>::</a:t>
-            </a:r>
-            <a:r>
-              <a:rPr sz="2400" dirty="0" err="1">
-                <a:latin typeface="Times New Roman" panose="02020603050405020304" pitchFamily="18" charset="0"/>
-                <a:cs typeface="Times New Roman" panose="02020603050405020304" pitchFamily="18" charset="0"/>
-              </a:rPr>
-              <a:t>CountAndRefsBasic</a:t>
+              <a:rPr sz="2400" dirty="0">
+                <a:latin typeface="Times New Roman" panose="02020603050405020304" pitchFamily="18" charset="0"/>
+                <a:cs typeface="Times New Roman" panose="02020603050405020304" pitchFamily="18" charset="0"/>
+              </a:rPr>
+              <a:t>• </a:t>
+            </a:r>
+            <a:r>
+              <a:rPr sz="2400" dirty="0" err="1">
+                <a:latin typeface="Times New Roman" panose="02020603050405020304" pitchFamily="18" charset="0"/>
+                <a:cs typeface="Times New Roman" panose="02020603050405020304" pitchFamily="18" charset="0"/>
+              </a:rPr>
+              <a:t>验证解析实例编号与类名，并正确计数与引用关系</a:t>
             </a:r>
             <a:endParaRPr sz="2400" dirty="0">
               <a:latin typeface="Times New Roman" panose="02020603050405020304" pitchFamily="18" charset="0"/>
@@ -4527,18 +4540,25 @@
               <a:buNone/>
             </a:pPr>
             <a:r>
-              <a:rPr sz="2400" dirty="0">
-                <a:latin typeface="Times New Roman" panose="02020603050405020304" pitchFamily="18" charset="0"/>
-                <a:cs typeface="Times New Roman" panose="02020603050405020304" pitchFamily="18" charset="0"/>
-              </a:rPr>
-              <a:t>• </a:t>
-            </a:r>
-            <a:r>
-              <a:rPr sz="2400" dirty="0" err="1">
-                <a:latin typeface="Times New Roman" panose="02020603050405020304" pitchFamily="18" charset="0"/>
-                <a:cs typeface="Times New Roman" panose="02020603050405020304" pitchFamily="18" charset="0"/>
-              </a:rPr>
-              <a:t>验证解析实例编号与类名，并正确计数与引用关系</a:t>
+              <a:rPr sz="2400" dirty="0" err="1">
+                <a:latin typeface="Times New Roman" panose="02020603050405020304" pitchFamily="18" charset="0"/>
+                <a:cs typeface="Times New Roman" panose="02020603050405020304" pitchFamily="18" charset="0"/>
+              </a:rPr>
+              <a:t>GfcParser</a:t>
+            </a:r>
+            <a:r>
+              <a:rPr sz="2400" dirty="0">
+                <a:latin typeface="Times New Roman" panose="02020603050405020304" pitchFamily="18" charset="0"/>
+                <a:cs typeface="Times New Roman" panose="02020603050405020304" pitchFamily="18" charset="0"/>
+              </a:rPr>
+              <a:t>::</a:t>
+            </a:r>
+            <a:r>
+              <a:rPr sz="2400" dirty="0" err="1">
+                <a:latin typeface="Times New Roman" panose="02020603050405020304" pitchFamily="18" charset="0"/>
+                <a:cs typeface="Times New Roman" panose="02020603050405020304" pitchFamily="18" charset="0"/>
+              </a:rPr>
+              <a:t>WhitespaceAndInvalidLines</a:t>
             </a:r>
             <a:endParaRPr sz="2400" dirty="0">
               <a:latin typeface="Times New Roman" panose="02020603050405020304" pitchFamily="18" charset="0"/>
@@ -4550,25 +4570,18 @@
               <a:buNone/>
             </a:pPr>
             <a:r>
-              <a:rPr sz="2400" dirty="0" err="1">
-                <a:latin typeface="Times New Roman" panose="02020603050405020304" pitchFamily="18" charset="0"/>
-                <a:cs typeface="Times New Roman" panose="02020603050405020304" pitchFamily="18" charset="0"/>
-              </a:rPr>
-              <a:t>GfcParser</a:t>
-            </a:r>
-            <a:r>
-              <a:rPr sz="2400" dirty="0">
-                <a:latin typeface="Times New Roman" panose="02020603050405020304" pitchFamily="18" charset="0"/>
-                <a:cs typeface="Times New Roman" panose="02020603050405020304" pitchFamily="18" charset="0"/>
-              </a:rPr>
-              <a:t>::</a:t>
-            </a:r>
-            <a:r>
-              <a:rPr sz="2400" dirty="0" err="1">
-                <a:latin typeface="Times New Roman" panose="02020603050405020304" pitchFamily="18" charset="0"/>
-                <a:cs typeface="Times New Roman" panose="02020603050405020304" pitchFamily="18" charset="0"/>
-              </a:rPr>
-              <a:t>WhitespaceAndInvalidLines</a:t>
+              <a:rPr sz="2400" dirty="0">
+                <a:latin typeface="Times New Roman" panose="02020603050405020304" pitchFamily="18" charset="0"/>
+                <a:cs typeface="Times New Roman" panose="02020603050405020304" pitchFamily="18" charset="0"/>
+              </a:rPr>
+              <a:t>• </a:t>
+            </a:r>
+            <a:r>
+              <a:rPr sz="2400" dirty="0" err="1">
+                <a:latin typeface="Times New Roman" panose="02020603050405020304" pitchFamily="18" charset="0"/>
+                <a:cs typeface="Times New Roman" panose="02020603050405020304" pitchFamily="18" charset="0"/>
+              </a:rPr>
+              <a:t>验证空白行、无效行的过滤，以及跨行实例定义解析</a:t>
             </a:r>
             <a:endParaRPr sz="2400" dirty="0">
               <a:latin typeface="Times New Roman" panose="02020603050405020304" pitchFamily="18" charset="0"/>
@@ -4580,18 +4593,25 @@
               <a:buNone/>
             </a:pPr>
             <a:r>
-              <a:rPr sz="2400" dirty="0">
-                <a:latin typeface="Times New Roman" panose="02020603050405020304" pitchFamily="18" charset="0"/>
-                <a:cs typeface="Times New Roman" panose="02020603050405020304" pitchFamily="18" charset="0"/>
-              </a:rPr>
-              <a:t>• </a:t>
-            </a:r>
-            <a:r>
-              <a:rPr sz="2400" dirty="0" err="1">
-                <a:latin typeface="Times New Roman" panose="02020603050405020304" pitchFamily="18" charset="0"/>
-                <a:cs typeface="Times New Roman" panose="02020603050405020304" pitchFamily="18" charset="0"/>
-              </a:rPr>
-              <a:t>验证空白行、无效行的过滤，以及跨行实例定义解析</a:t>
+              <a:rPr sz="2400" dirty="0" err="1">
+                <a:latin typeface="Times New Roman" panose="02020603050405020304" pitchFamily="18" charset="0"/>
+                <a:cs typeface="Times New Roman" panose="02020603050405020304" pitchFamily="18" charset="0"/>
+              </a:rPr>
+              <a:t>GfcParser</a:t>
+            </a:r>
+            <a:r>
+              <a:rPr sz="2400" dirty="0">
+                <a:latin typeface="Times New Roman" panose="02020603050405020304" pitchFamily="18" charset="0"/>
+                <a:cs typeface="Times New Roman" panose="02020603050405020304" pitchFamily="18" charset="0"/>
+              </a:rPr>
+              <a:t>::</a:t>
+            </a:r>
+            <a:r>
+              <a:rPr sz="2400" dirty="0" err="1">
+                <a:latin typeface="Times New Roman" panose="02020603050405020304" pitchFamily="18" charset="0"/>
+                <a:cs typeface="Times New Roman" panose="02020603050405020304" pitchFamily="18" charset="0"/>
+              </a:rPr>
+              <a:t>ParseInstanceIndex</a:t>
             </a:r>
             <a:endParaRPr sz="2400" dirty="0">
               <a:latin typeface="Times New Roman" panose="02020603050405020304" pitchFamily="18" charset="0"/>
@@ -4603,36 +4623,6 @@
               <a:buNone/>
             </a:pPr>
             <a:r>
-              <a:rPr sz="2400" dirty="0" err="1">
-                <a:latin typeface="Times New Roman" panose="02020603050405020304" pitchFamily="18" charset="0"/>
-                <a:cs typeface="Times New Roman" panose="02020603050405020304" pitchFamily="18" charset="0"/>
-              </a:rPr>
-              <a:t>GfcParser</a:t>
-            </a:r>
-            <a:r>
-              <a:rPr sz="2400" dirty="0">
-                <a:latin typeface="Times New Roman" panose="02020603050405020304" pitchFamily="18" charset="0"/>
-                <a:cs typeface="Times New Roman" panose="02020603050405020304" pitchFamily="18" charset="0"/>
-              </a:rPr>
-              <a:t>::</a:t>
-            </a:r>
-            <a:r>
-              <a:rPr sz="2400" dirty="0" err="1">
-                <a:latin typeface="Times New Roman" panose="02020603050405020304" pitchFamily="18" charset="0"/>
-                <a:cs typeface="Times New Roman" panose="02020603050405020304" pitchFamily="18" charset="0"/>
-              </a:rPr>
-              <a:t>ParseInstanceIndex</a:t>
-            </a:r>
-            <a:endParaRPr sz="2400" dirty="0">
-              <a:latin typeface="Times New Roman" panose="02020603050405020304" pitchFamily="18" charset="0"/>
-              <a:cs typeface="Times New Roman" panose="02020603050405020304" pitchFamily="18" charset="0"/>
-            </a:endParaRPr>
-          </a:p>
-          <a:p>
-            <a:pPr marL="0" indent="0">
-              <a:buNone/>
-            </a:pPr>
-            <a:r>
               <a:rPr sz="2400" dirty="0">
                 <a:latin typeface="Times New Roman" panose="02020603050405020304" pitchFamily="18" charset="0"/>
                 <a:cs typeface="Times New Roman" panose="02020603050405020304" pitchFamily="18" charset="0"/>
@@ -4645,6 +4635,13 @@
                 <a:cs typeface="Times New Roman" panose="02020603050405020304" pitchFamily="18" charset="0"/>
               </a:rPr>
               <a:t>验证实例编号解析的边界情况</a:t>
+            </a:r>
+            <a:r>
+              <a:rPr lang="zh-CN" altLang="en-US" sz="2400" dirty="0">
+                <a:latin typeface="Times New Roman" panose="02020603050405020304" pitchFamily="18" charset="0"/>
+                <a:cs typeface="Times New Roman" panose="02020603050405020304" pitchFamily="18" charset="0"/>
+              </a:rPr>
+              <a:t>（去除开头空格）</a:t>
             </a:r>
             <a:endParaRPr sz="2400" dirty="0">
               <a:latin typeface="Times New Roman" panose="02020603050405020304" pitchFamily="18" charset="0"/>
@@ -5044,7 +5041,7 @@
         </p:nvSpPr>
         <p:spPr>
           <a:xfrm>
-            <a:off x="457200" y="1417638"/>
+            <a:off x="457200" y="1454532"/>
             <a:ext cx="8229600" cy="4525963"/>
           </a:xfrm>
         </p:spPr>
@@ -5211,29 +5208,82 @@
                 <a:latin typeface="Times New Roman" panose="02020603050405020304" pitchFamily="18" charset="0"/>
                 <a:cs typeface="Times New Roman" panose="02020603050405020304" pitchFamily="18" charset="0"/>
               </a:rPr>
-              <a:t>语法高亮（字符串</a:t>
-            </a:r>
-            <a:r>
-              <a:rPr sz="2400" dirty="0">
+              <a:t>语法高亮</a:t>
+            </a:r>
+            <a:r>
+              <a:rPr lang="zh-CN" altLang="en-US" sz="2400" dirty="0">
+                <a:latin typeface="Times New Roman" panose="02020603050405020304" pitchFamily="18" charset="0"/>
+                <a:cs typeface="Times New Roman" panose="02020603050405020304" pitchFamily="18" charset="0"/>
+              </a:rPr>
+              <a:t>（字符串</a:t>
+            </a:r>
+            <a:r>
+              <a:rPr lang="en-US" altLang="zh-CN" sz="2400" dirty="0">
                 <a:latin typeface="Times New Roman" panose="02020603050405020304" pitchFamily="18" charset="0"/>
                 <a:cs typeface="Times New Roman" panose="02020603050405020304" pitchFamily="18" charset="0"/>
               </a:rPr>
               <a:t>/</a:t>
             </a:r>
             <a:r>
-              <a:rPr sz="2400" dirty="0" err="1">
+              <a:rPr lang="zh-CN" altLang="en-US" sz="2400" dirty="0">
                 <a:latin typeface="Times New Roman" panose="02020603050405020304" pitchFamily="18" charset="0"/>
                 <a:cs typeface="Times New Roman" panose="02020603050405020304" pitchFamily="18" charset="0"/>
               </a:rPr>
               <a:t>数字</a:t>
             </a:r>
             <a:r>
-              <a:rPr sz="2400" dirty="0">
-                <a:latin typeface="Times New Roman" panose="02020603050405020304" pitchFamily="18" charset="0"/>
-                <a:cs typeface="Times New Roman" panose="02020603050405020304" pitchFamily="18" charset="0"/>
-              </a:rPr>
-              <a:t>/#id=/类名/注释/HEADER/DATA）</a:t>
-            </a:r>
+              <a:rPr lang="en-US" altLang="zh-CN" sz="2400" dirty="0">
+                <a:latin typeface="Times New Roman" panose="02020603050405020304" pitchFamily="18" charset="0"/>
+                <a:cs typeface="Times New Roman" panose="02020603050405020304" pitchFamily="18" charset="0"/>
+              </a:rPr>
+              <a:t>/#</a:t>
+            </a:r>
+            <a:r>
+              <a:rPr lang="en-US" sz="2400" dirty="0">
+                <a:latin typeface="Times New Roman" panose="02020603050405020304" pitchFamily="18" charset="0"/>
+                <a:cs typeface="Times New Roman" panose="02020603050405020304" pitchFamily="18" charset="0"/>
+              </a:rPr>
+              <a:t>id=/</a:t>
+            </a:r>
+            <a:r>
+              <a:rPr lang="zh-CN" altLang="en-US" sz="2400" dirty="0">
+                <a:latin typeface="Times New Roman" panose="02020603050405020304" pitchFamily="18" charset="0"/>
+                <a:cs typeface="Times New Roman" panose="02020603050405020304" pitchFamily="18" charset="0"/>
+              </a:rPr>
+              <a:t>类名</a:t>
+            </a:r>
+            <a:r>
+              <a:rPr lang="en-US" altLang="zh-CN" sz="2400" dirty="0">
+                <a:latin typeface="Times New Roman" panose="02020603050405020304" pitchFamily="18" charset="0"/>
+                <a:cs typeface="Times New Roman" panose="02020603050405020304" pitchFamily="18" charset="0"/>
+              </a:rPr>
+              <a:t>/</a:t>
+            </a:r>
+            <a:r>
+              <a:rPr lang="zh-CN" altLang="en-US" sz="2400" dirty="0">
+                <a:latin typeface="Times New Roman" panose="02020603050405020304" pitchFamily="18" charset="0"/>
+                <a:cs typeface="Times New Roman" panose="02020603050405020304" pitchFamily="18" charset="0"/>
+              </a:rPr>
+              <a:t>注释</a:t>
+            </a:r>
+            <a:r>
+              <a:rPr lang="en-US" altLang="zh-CN" sz="2400" dirty="0">
+                <a:latin typeface="Times New Roman" panose="02020603050405020304" pitchFamily="18" charset="0"/>
+                <a:cs typeface="Times New Roman" panose="02020603050405020304" pitchFamily="18" charset="0"/>
+              </a:rPr>
+              <a:t>/</a:t>
+            </a:r>
+            <a:r>
+              <a:rPr lang="en-US" sz="2400" dirty="0">
+                <a:latin typeface="Times New Roman" panose="02020603050405020304" pitchFamily="18" charset="0"/>
+                <a:cs typeface="Times New Roman" panose="02020603050405020304" pitchFamily="18" charset="0"/>
+              </a:rPr>
+              <a:t>HEADER/DATA）</a:t>
+            </a:r>
+            <a:endParaRPr sz="2400" dirty="0">
+              <a:latin typeface="Times New Roman" panose="02020603050405020304" pitchFamily="18" charset="0"/>
+              <a:cs typeface="Times New Roman" panose="02020603050405020304" pitchFamily="18" charset="0"/>
+            </a:endParaRPr>
           </a:p>
         </p:txBody>
       </p:sp>
@@ -5586,6 +5636,13 @@
                 <a:cs typeface="Times New Roman" panose="02020603050405020304" pitchFamily="18" charset="0"/>
               </a:rPr>
               <a:t>跳转、查找列表</a:t>
+            </a:r>
+            <a:r>
+              <a:rPr lang="zh-CN" altLang="en-US" sz="2400" dirty="0">
+                <a:latin typeface="Times New Roman" panose="02020603050405020304" pitchFamily="18" charset="0"/>
+                <a:cs typeface="Times New Roman" panose="02020603050405020304" pitchFamily="18" charset="0"/>
+              </a:rPr>
+              <a:t>等</a:t>
             </a:r>
             <a:endParaRPr sz="2400" dirty="0">
               <a:latin typeface="Times New Roman" panose="02020603050405020304" pitchFamily="18" charset="0"/>
